--- a/Atalhos img.pptx
+++ b/Atalhos img.pptx
@@ -3003,8 +3003,8 @@
         </p:nvSpPr>
         <p:spPr>
           <a:xfrm>
-            <a:off x="440634" y="321449"/>
-            <a:ext cx="7701043" cy="7417415"/>
+            <a:off x="185657" y="326375"/>
+            <a:ext cx="7701043" cy="6740307"/>
           </a:xfrm>
           <a:prstGeom prst="rect">
             <a:avLst/>
@@ -3021,7 +3021,7 @@
               <a:buChar char="•"/>
             </a:pPr>
             <a:r>
-              <a:rPr lang="pt-BR" sz="1400" b="1" u="sng" dirty="0" smtClean="0">
+              <a:rPr lang="pt-BR" sz="1200" b="1" u="sng" dirty="0" smtClean="0">
                 <a:effectLst>
                   <a:outerShdw blurRad="38100" dist="38100" dir="2700000" algn="tl">
                     <a:srgbClr val="000000">
@@ -3035,72 +3035,72 @@
           </a:p>
           <a:p>
             <a:r>
-              <a:rPr lang="pt-BR" sz="1400" dirty="0" err="1" smtClean="0"/>
+              <a:rPr lang="pt-BR" sz="1200" dirty="0" err="1" smtClean="0"/>
               <a:t>git</a:t>
             </a:r>
             <a:r>
-              <a:rPr lang="pt-BR" sz="1400" dirty="0" smtClean="0"/>
+              <a:rPr lang="pt-BR" sz="1200" dirty="0" smtClean="0"/>
               <a:t> </a:t>
             </a:r>
             <a:r>
-              <a:rPr lang="pt-BR" sz="1400" dirty="0" err="1"/>
+              <a:rPr lang="pt-BR" sz="1200" dirty="0" err="1"/>
               <a:t>config</a:t>
             </a:r>
             <a:r>
-              <a:rPr lang="pt-BR" sz="1400" dirty="0"/>
+              <a:rPr lang="pt-BR" sz="1200" dirty="0"/>
               <a:t> --local user.name "Seu nome aqui"</a:t>
             </a:r>
           </a:p>
           <a:p>
             <a:r>
-              <a:rPr lang="pt-BR" sz="1400" dirty="0" err="1"/>
+              <a:rPr lang="pt-BR" sz="1200" dirty="0" err="1"/>
               <a:t>git</a:t>
             </a:r>
             <a:r>
-              <a:rPr lang="pt-BR" sz="1400" dirty="0"/>
+              <a:rPr lang="pt-BR" sz="1200" dirty="0"/>
               <a:t> </a:t>
             </a:r>
             <a:r>
-              <a:rPr lang="pt-BR" sz="1400" dirty="0" err="1"/>
+              <a:rPr lang="pt-BR" sz="1200" dirty="0" err="1"/>
               <a:t>config</a:t>
             </a:r>
             <a:r>
-              <a:rPr lang="pt-BR" sz="1400" dirty="0"/>
+              <a:rPr lang="pt-BR" sz="1200" dirty="0"/>
               <a:t> --local </a:t>
             </a:r>
             <a:r>
-              <a:rPr lang="pt-BR" sz="1400" dirty="0" err="1"/>
+              <a:rPr lang="pt-BR" sz="1200" dirty="0" err="1"/>
               <a:t>user.email</a:t>
             </a:r>
             <a:r>
-              <a:rPr lang="pt-BR" sz="1400" dirty="0"/>
+              <a:rPr lang="pt-BR" sz="1200" dirty="0"/>
               <a:t> </a:t>
             </a:r>
             <a:r>
-              <a:rPr lang="pt-BR" sz="1400" dirty="0" err="1" smtClean="0">
+              <a:rPr lang="pt-BR" sz="1200" dirty="0" err="1" smtClean="0">
                 <a:hlinkClick r:id="rId3"/>
               </a:rPr>
               <a:t>seu@email.aqui</a:t>
             </a:r>
-            <a:endParaRPr lang="pt-BR" sz="1400" dirty="0" smtClean="0"/>
-          </a:p>
-          <a:p>
-            <a:r>
-              <a:rPr lang="pt-BR" sz="1400" dirty="0" smtClean="0"/>
+            <a:endParaRPr lang="pt-BR" sz="1200" dirty="0" smtClean="0"/>
+          </a:p>
+          <a:p>
+            <a:r>
+              <a:rPr lang="pt-BR" sz="1200" dirty="0" smtClean="0"/>
               <a:t>	Para mais </a:t>
             </a:r>
             <a:r>
-              <a:rPr lang="pt-BR" sz="1400" dirty="0" err="1" smtClean="0"/>
+              <a:rPr lang="pt-BR" sz="1200" dirty="0" err="1" smtClean="0"/>
               <a:t>configs</a:t>
             </a:r>
             <a:r>
-              <a:rPr lang="pt-BR" sz="1400" dirty="0"/>
+              <a:rPr lang="pt-BR" sz="1200" dirty="0"/>
               <a:t>: https://git-scm.com/book/en/v2/Customizing-Git-Git-Configuration</a:t>
             </a:r>
-            <a:endParaRPr lang="pt-BR" sz="1400" dirty="0" smtClean="0"/>
-          </a:p>
-          <a:p>
-            <a:endParaRPr lang="pt-BR" sz="1400" dirty="0" smtClean="0"/>
+            <a:endParaRPr lang="pt-BR" sz="1200" dirty="0" smtClean="0"/>
+          </a:p>
+          <a:p>
+            <a:endParaRPr lang="pt-BR" sz="1200" dirty="0" smtClean="0"/>
           </a:p>
           <a:p>
             <a:pPr marL="285750" indent="-285750">
@@ -3108,7 +3108,7 @@
               <a:buChar char="•"/>
             </a:pPr>
             <a:r>
-              <a:rPr lang="pt-BR" sz="1400" b="1" u="sng" dirty="0" smtClean="0">
+              <a:rPr lang="pt-BR" sz="1200" b="1" u="sng" dirty="0" smtClean="0">
                 <a:effectLst>
                   <a:outerShdw blurRad="38100" dist="38100" dir="2700000" algn="tl">
                     <a:srgbClr val="000000">
@@ -3119,7 +3119,7 @@
               </a:rPr>
               <a:t>Identificar os arquivos</a:t>
             </a:r>
-            <a:endParaRPr lang="pt-BR" sz="1400" b="1" u="sng" dirty="0">
+            <a:endParaRPr lang="pt-BR" sz="1200" b="1" u="sng" dirty="0">
               <a:effectLst>
                 <a:outerShdw blurRad="38100" dist="38100" dir="2700000" algn="tl">
                   <a:srgbClr val="000000">
@@ -3131,43 +3131,43 @@
           </a:p>
           <a:p>
             <a:r>
-              <a:rPr lang="pt-BR" sz="1400" dirty="0"/>
+              <a:rPr lang="pt-BR" sz="1200" dirty="0"/>
               <a:t>Ir na pasta, botão direito, começar o </a:t>
             </a:r>
             <a:r>
-              <a:rPr lang="pt-BR" sz="1400" dirty="0" err="1"/>
+              <a:rPr lang="pt-BR" sz="1200" dirty="0" err="1"/>
               <a:t>git</a:t>
             </a:r>
             <a:r>
-              <a:rPr lang="pt-BR" sz="1400" dirty="0"/>
+              <a:rPr lang="pt-BR" sz="1200" dirty="0"/>
               <a:t> </a:t>
             </a:r>
             <a:r>
-              <a:rPr lang="pt-BR" sz="1400" dirty="0" err="1"/>
+              <a:rPr lang="pt-BR" sz="1200" dirty="0" err="1"/>
               <a:t>bash</a:t>
             </a:r>
-            <a:endParaRPr lang="pt-BR" sz="1400" dirty="0"/>
-          </a:p>
-          <a:p>
-            <a:r>
-              <a:rPr lang="pt-BR" sz="1400" dirty="0"/>
+            <a:endParaRPr lang="pt-BR" sz="1200" dirty="0"/>
+          </a:p>
+          <a:p>
+            <a:r>
+              <a:rPr lang="pt-BR" sz="1200" dirty="0"/>
               <a:t>Ou = ‘</a:t>
             </a:r>
             <a:r>
-              <a:rPr lang="pt-BR" sz="1400" dirty="0" err="1"/>
+              <a:rPr lang="pt-BR" sz="1200" dirty="0" err="1"/>
               <a:t>cd</a:t>
             </a:r>
             <a:r>
-              <a:rPr lang="pt-BR" sz="1400" dirty="0"/>
+              <a:rPr lang="pt-BR" sz="1200" dirty="0"/>
               <a:t> (diretório</a:t>
             </a:r>
             <a:r>
-              <a:rPr lang="pt-BR" sz="1400" dirty="0" smtClean="0"/>
+              <a:rPr lang="pt-BR" sz="1200" dirty="0" smtClean="0"/>
               <a:t>)</a:t>
             </a:r>
           </a:p>
           <a:p>
-            <a:endParaRPr lang="pt-BR" sz="1400" dirty="0"/>
+            <a:endParaRPr lang="pt-BR" sz="1200" dirty="0"/>
           </a:p>
           <a:p>
             <a:pPr marL="285750" indent="-285750">
@@ -3175,7 +3175,7 @@
               <a:buChar char="•"/>
             </a:pPr>
             <a:r>
-              <a:rPr lang="pt-BR" sz="1400" b="1" u="sng" dirty="0" smtClean="0">
+              <a:rPr lang="pt-BR" sz="1200" b="1" u="sng" dirty="0" smtClean="0">
                 <a:effectLst>
                   <a:outerShdw blurRad="38100" dist="38100" dir="2700000" algn="tl">
                     <a:srgbClr val="000000">
@@ -3189,100 +3189,100 @@
           </a:p>
           <a:p>
             <a:r>
-              <a:rPr lang="pt-BR" sz="1400" dirty="0" smtClean="0"/>
+              <a:rPr lang="pt-BR" sz="1200" dirty="0" smtClean="0"/>
               <a:t>Adicionar um arquivo = </a:t>
             </a:r>
             <a:r>
-              <a:rPr lang="pt-BR" sz="1400" dirty="0" err="1" smtClean="0"/>
+              <a:rPr lang="pt-BR" sz="1200" dirty="0" err="1" smtClean="0"/>
               <a:t>git</a:t>
             </a:r>
             <a:r>
-              <a:rPr lang="pt-BR" sz="1400" dirty="0" smtClean="0"/>
+              <a:rPr lang="pt-BR" sz="1200" dirty="0" smtClean="0"/>
               <a:t> </a:t>
             </a:r>
             <a:r>
-              <a:rPr lang="pt-BR" sz="1400" dirty="0" err="1" smtClean="0"/>
+              <a:rPr lang="pt-BR" sz="1200" dirty="0" err="1" smtClean="0"/>
               <a:t>add</a:t>
             </a:r>
             <a:r>
-              <a:rPr lang="pt-BR" sz="1400" dirty="0" smtClean="0"/>
+              <a:rPr lang="pt-BR" sz="1200" dirty="0" smtClean="0"/>
               <a:t> (file)</a:t>
             </a:r>
           </a:p>
           <a:p>
             <a:r>
-              <a:rPr lang="pt-BR" sz="1400" dirty="0" smtClean="0"/>
+              <a:rPr lang="pt-BR" sz="1200" dirty="0" smtClean="0"/>
               <a:t>Adicionar todos os arquivos = </a:t>
             </a:r>
             <a:r>
-              <a:rPr lang="pt-BR" sz="1400" dirty="0" err="1" smtClean="0"/>
+              <a:rPr lang="pt-BR" sz="1200" dirty="0" err="1" smtClean="0"/>
               <a:t>git</a:t>
             </a:r>
             <a:r>
-              <a:rPr lang="pt-BR" sz="1400" dirty="0" smtClean="0"/>
+              <a:rPr lang="pt-BR" sz="1200" dirty="0" smtClean="0"/>
               <a:t> </a:t>
             </a:r>
             <a:r>
-              <a:rPr lang="pt-BR" sz="1400" dirty="0" err="1" smtClean="0"/>
+              <a:rPr lang="pt-BR" sz="1200" dirty="0" err="1" smtClean="0"/>
               <a:t>add</a:t>
             </a:r>
             <a:r>
-              <a:rPr lang="pt-BR" sz="1400" dirty="0" smtClean="0"/>
+              <a:rPr lang="pt-BR" sz="1200" dirty="0" smtClean="0"/>
               <a:t> .</a:t>
             </a:r>
           </a:p>
           <a:p>
             <a:r>
-              <a:rPr lang="pt-BR" sz="1400" dirty="0" smtClean="0"/>
+              <a:rPr lang="pt-BR" sz="1200" dirty="0" smtClean="0"/>
               <a:t>Remover </a:t>
             </a:r>
             <a:r>
-              <a:rPr lang="pt-BR" sz="1400" dirty="0"/>
+              <a:rPr lang="pt-BR" sz="1200" dirty="0"/>
               <a:t>arquivo monitorado </a:t>
             </a:r>
             <a:r>
-              <a:rPr lang="pt-BR" sz="1400" dirty="0" smtClean="0"/>
+              <a:rPr lang="pt-BR" sz="1200" dirty="0" smtClean="0"/>
               <a:t>= </a:t>
             </a:r>
             <a:r>
-              <a:rPr lang="pt-BR" sz="1400" dirty="0" err="1" smtClean="0"/>
+              <a:rPr lang="pt-BR" sz="1200" dirty="0" err="1" smtClean="0"/>
               <a:t>git</a:t>
             </a:r>
             <a:r>
-              <a:rPr lang="pt-BR" sz="1400" dirty="0" smtClean="0"/>
+              <a:rPr lang="pt-BR" sz="1200" dirty="0" smtClean="0"/>
               <a:t> </a:t>
             </a:r>
             <a:r>
-              <a:rPr lang="pt-BR" sz="1400" dirty="0"/>
+              <a:rPr lang="pt-BR" sz="1200" dirty="0"/>
               <a:t>rem --</a:t>
             </a:r>
             <a:r>
-              <a:rPr lang="pt-BR" sz="1400" dirty="0" err="1"/>
+              <a:rPr lang="pt-BR" sz="1200" dirty="0" err="1"/>
               <a:t>cached</a:t>
             </a:r>
             <a:r>
-              <a:rPr lang="pt-BR" sz="1400" dirty="0"/>
+              <a:rPr lang="pt-BR" sz="1200" dirty="0"/>
               <a:t> (arquivo) (vi no </a:t>
             </a:r>
             <a:r>
-              <a:rPr lang="pt-BR" sz="1400" dirty="0" smtClean="0"/>
+              <a:rPr lang="pt-BR" sz="1200" dirty="0" smtClean="0"/>
               <a:t>‘</a:t>
             </a:r>
             <a:r>
-              <a:rPr lang="pt-BR" sz="1400" dirty="0" err="1" smtClean="0"/>
+              <a:rPr lang="pt-BR" sz="1200" dirty="0" err="1" smtClean="0"/>
               <a:t>git</a:t>
             </a:r>
             <a:r>
-              <a:rPr lang="pt-BR" sz="1400" dirty="0" smtClean="0"/>
+              <a:rPr lang="pt-BR" sz="1200" dirty="0" smtClean="0"/>
               <a:t> status</a:t>
             </a:r>
             <a:r>
-              <a:rPr lang="pt-BR" sz="1400" u="sng" dirty="0" smtClean="0"/>
+              <a:rPr lang="pt-BR" sz="1200" u="sng" dirty="0" smtClean="0"/>
               <a:t>’)</a:t>
             </a:r>
           </a:p>
           <a:p>
-            <a:endParaRPr lang="pt-BR" sz="1400" dirty="0"/>
+            <a:endParaRPr lang="pt-BR" sz="1200" dirty="0"/>
           </a:p>
           <a:p>
             <a:pPr marL="285750" indent="-285750">
@@ -3290,7 +3290,7 @@
               <a:buChar char="•"/>
             </a:pPr>
             <a:r>
-              <a:rPr lang="pt-BR" sz="1400" b="1" u="sng" dirty="0" smtClean="0">
+              <a:rPr lang="pt-BR" sz="1200" b="1" u="sng" dirty="0" smtClean="0">
                 <a:effectLst>
                   <a:outerShdw blurRad="38100" dist="38100" dir="2700000" algn="tl">
                     <a:srgbClr val="000000">
@@ -3304,55 +3304,124 @@
           </a:p>
           <a:p>
             <a:r>
-              <a:rPr lang="pt-BR" sz="1400" dirty="0" smtClean="0"/>
+              <a:rPr lang="pt-BR" sz="1200" dirty="0" smtClean="0">
+                <a:effectLst>
+                  <a:outerShdw blurRad="38100" dist="38100" dir="2700000" algn="tl">
+                    <a:srgbClr val="000000">
+                      <a:alpha val="43137"/>
+                    </a:srgbClr>
+                  </a:outerShdw>
+                </a:effectLst>
+              </a:rPr>
+              <a:t>Ver os arquivos que estão sendo monitorados =  </a:t>
+            </a:r>
+            <a:r>
+              <a:rPr lang="en-US" sz="1200" dirty="0" err="1" smtClean="0">
+                <a:effectLst>
+                  <a:outerShdw blurRad="38100" dist="38100" dir="2700000" algn="tl">
+                    <a:srgbClr val="000000">
+                      <a:alpha val="43137"/>
+                    </a:srgbClr>
+                  </a:outerShdw>
+                </a:effectLst>
+              </a:rPr>
+              <a:t>git</a:t>
+            </a:r>
+            <a:r>
+              <a:rPr lang="en-US" sz="1200" dirty="0" smtClean="0">
+                <a:effectLst>
+                  <a:outerShdw blurRad="38100" dist="38100" dir="2700000" algn="tl">
+                    <a:srgbClr val="000000">
+                      <a:alpha val="43137"/>
+                    </a:srgbClr>
+                  </a:outerShdw>
+                </a:effectLst>
+              </a:rPr>
+              <a:t> </a:t>
+            </a:r>
+            <a:r>
+              <a:rPr lang="en-US" sz="1200" dirty="0">
+                <a:effectLst>
+                  <a:outerShdw blurRad="38100" dist="38100" dir="2700000" algn="tl">
+                    <a:srgbClr val="000000">
+                      <a:alpha val="43137"/>
+                    </a:srgbClr>
+                  </a:outerShdw>
+                </a:effectLst>
+              </a:rPr>
+              <a:t>ls-tree -r master --name-only</a:t>
+            </a:r>
+            <a:endParaRPr lang="pt-BR" sz="1200" dirty="0" smtClean="0">
+              <a:effectLst>
+                <a:outerShdw blurRad="38100" dist="38100" dir="2700000" algn="tl">
+                  <a:srgbClr val="000000">
+                    <a:alpha val="43137"/>
+                  </a:srgbClr>
+                </a:outerShdw>
+              </a:effectLst>
+            </a:endParaRPr>
+          </a:p>
+          <a:p>
+            <a:r>
+              <a:rPr lang="pt-BR" sz="1200" dirty="0" smtClean="0"/>
               <a:t>Notificar (</a:t>
             </a:r>
             <a:r>
-              <a:rPr lang="pt-BR" sz="1400" dirty="0" err="1" smtClean="0"/>
+              <a:rPr lang="pt-BR" sz="1200" dirty="0" err="1" smtClean="0"/>
               <a:t>commit</a:t>
             </a:r>
             <a:r>
-              <a:rPr lang="pt-BR" sz="1400" dirty="0"/>
+              <a:rPr lang="pt-BR" sz="1200" dirty="0"/>
               <a:t>) = </a:t>
             </a:r>
             <a:r>
-              <a:rPr lang="pt-BR" sz="1400" dirty="0" err="1"/>
+              <a:rPr lang="pt-BR" sz="1200" dirty="0" err="1"/>
               <a:t>git</a:t>
             </a:r>
             <a:r>
-              <a:rPr lang="pt-BR" sz="1400" dirty="0"/>
+              <a:rPr lang="pt-BR" sz="1200" dirty="0"/>
               <a:t> </a:t>
             </a:r>
             <a:r>
-              <a:rPr lang="pt-BR" sz="1400" dirty="0" err="1"/>
+              <a:rPr lang="pt-BR" sz="1200" dirty="0" err="1"/>
               <a:t>commit</a:t>
             </a:r>
             <a:r>
-              <a:rPr lang="pt-BR" sz="1400" dirty="0"/>
+              <a:rPr lang="pt-BR" sz="1200" dirty="0"/>
               <a:t> -m "(mensagem</a:t>
             </a:r>
             <a:r>
-              <a:rPr lang="pt-BR" sz="1400" dirty="0" smtClean="0"/>
+              <a:rPr lang="pt-BR" sz="1200" dirty="0" smtClean="0"/>
               <a:t>)“</a:t>
             </a:r>
           </a:p>
           <a:p>
             <a:r>
-              <a:rPr lang="pt-BR" sz="1400" dirty="0" smtClean="0"/>
+              <a:rPr lang="pt-BR" sz="1200" dirty="0" smtClean="0"/>
               <a:t>Ver as que foram feitas = </a:t>
             </a:r>
             <a:r>
-              <a:rPr lang="pt-BR" sz="1400" dirty="0" err="1" smtClean="0"/>
+              <a:rPr lang="pt-BR" sz="1200" dirty="0" err="1" smtClean="0"/>
               <a:t>git</a:t>
             </a:r>
             <a:r>
-              <a:rPr lang="pt-BR" sz="1400" dirty="0" smtClean="0"/>
+              <a:rPr lang="pt-BR" sz="1200" dirty="0" smtClean="0"/>
               <a:t> log</a:t>
             </a:r>
           </a:p>
           <a:p>
             <a:r>
-              <a:rPr lang="pt-BR" sz="1400" dirty="0" smtClean="0">
+              <a:rPr lang="pt-BR" sz="1200" dirty="0" err="1" smtClean="0"/>
+              <a:t>Insertions</a:t>
+            </a:r>
+            <a:r>
+              <a:rPr lang="pt-BR" sz="1200" dirty="0" smtClean="0"/>
+              <a:t> = linhas de código</a:t>
+            </a:r>
+          </a:p>
+          <a:p>
+            <a:r>
+              <a:rPr lang="pt-BR" sz="1200" dirty="0" smtClean="0">
                 <a:solidFill>
                   <a:schemeClr val="accent2">
                     <a:lumMod val="75000"/>
@@ -3364,7 +3433,7 @@
           </a:p>
           <a:p>
             <a:r>
-              <a:rPr lang="pt-BR" sz="1400" dirty="0" smtClean="0">
+              <a:rPr lang="pt-BR" sz="1200" dirty="0" smtClean="0">
                 <a:solidFill>
                   <a:schemeClr val="accent2">
                     <a:lumMod val="75000"/>
@@ -3376,7 +3445,7 @@
           </a:p>
           <a:p>
             <a:r>
-              <a:rPr lang="pt-BR" sz="1400" dirty="0" smtClean="0">
+              <a:rPr lang="pt-BR" sz="1200" dirty="0" smtClean="0">
                 <a:solidFill>
                   <a:schemeClr val="accent2">
                     <a:lumMod val="75000"/>
@@ -3387,53 +3456,53 @@
             </a:r>
           </a:p>
           <a:p>
-            <a:endParaRPr lang="pt-BR" sz="1400" dirty="0" smtClean="0"/>
-          </a:p>
-          <a:p>
-            <a:r>
-              <a:rPr lang="pt-BR" sz="1400" dirty="0" err="1"/>
+            <a:endParaRPr lang="pt-BR" sz="1200" dirty="0" smtClean="0"/>
+          </a:p>
+          <a:p>
+            <a:r>
+              <a:rPr lang="pt-BR" sz="1200" dirty="0" err="1"/>
               <a:t>I</a:t>
             </a:r>
             <a:r>
-              <a:rPr lang="pt-BR" sz="1400" dirty="0" err="1" smtClean="0"/>
+              <a:rPr lang="pt-BR" sz="1200" dirty="0" err="1" smtClean="0"/>
               <a:t>nfos</a:t>
             </a:r>
             <a:r>
-              <a:rPr lang="pt-BR" sz="1400" dirty="0" smtClean="0"/>
+              <a:rPr lang="pt-BR" sz="1200" dirty="0" smtClean="0"/>
               <a:t> mais resumidas = </a:t>
             </a:r>
             <a:r>
-              <a:rPr lang="pt-BR" sz="1400" dirty="0" err="1" smtClean="0"/>
+              <a:rPr lang="pt-BR" sz="1200" dirty="0" err="1" smtClean="0"/>
               <a:t>git</a:t>
             </a:r>
             <a:r>
-              <a:rPr lang="pt-BR" sz="1400" dirty="0" smtClean="0"/>
+              <a:rPr lang="pt-BR" sz="1200" dirty="0" smtClean="0"/>
               <a:t> log –online</a:t>
             </a:r>
           </a:p>
           <a:p>
             <a:r>
-              <a:rPr lang="pt-BR" sz="1400" dirty="0" err="1"/>
+              <a:rPr lang="pt-BR" sz="1200" dirty="0" err="1"/>
               <a:t>I</a:t>
             </a:r>
             <a:r>
-              <a:rPr lang="pt-BR" sz="1400" dirty="0" err="1" smtClean="0"/>
+              <a:rPr lang="pt-BR" sz="1200" dirty="0" err="1" smtClean="0"/>
               <a:t>nfos</a:t>
             </a:r>
             <a:r>
-              <a:rPr lang="pt-BR" sz="1400" dirty="0" smtClean="0"/>
+              <a:rPr lang="pt-BR" sz="1200" dirty="0" smtClean="0"/>
               <a:t> detalhadas = </a:t>
             </a:r>
             <a:r>
-              <a:rPr lang="pt-BR" sz="1400" dirty="0" err="1" smtClean="0"/>
+              <a:rPr lang="pt-BR" sz="1200" dirty="0" err="1" smtClean="0"/>
               <a:t>git</a:t>
             </a:r>
             <a:r>
-              <a:rPr lang="pt-BR" sz="1400" dirty="0" smtClean="0"/>
+              <a:rPr lang="pt-BR" sz="1200" dirty="0" smtClean="0"/>
               <a:t> log –p </a:t>
             </a:r>
             <a:r>
-              <a:rPr lang="pt-BR" sz="1400" dirty="0" smtClean="0">
+              <a:rPr lang="pt-BR" sz="1200" dirty="0" smtClean="0">
                 <a:solidFill>
                   <a:srgbClr val="00B050"/>
                 </a:solidFill>
@@ -3443,153 +3512,153 @@
           </a:p>
           <a:p>
             <a:r>
-              <a:rPr lang="pt-BR" sz="1400" dirty="0" err="1"/>
+              <a:rPr lang="pt-BR" sz="1200" dirty="0" err="1"/>
               <a:t>I</a:t>
             </a:r>
             <a:r>
-              <a:rPr lang="pt-BR" sz="1400" dirty="0" err="1" smtClean="0"/>
+              <a:rPr lang="pt-BR" sz="1200" dirty="0" err="1" smtClean="0"/>
               <a:t>nfos</a:t>
             </a:r>
             <a:r>
-              <a:rPr lang="pt-BR" sz="1400" dirty="0" smtClean="0"/>
+              <a:rPr lang="pt-BR" sz="1200" dirty="0" smtClean="0"/>
               <a:t> formatadas () = </a:t>
             </a:r>
             <a:r>
-              <a:rPr lang="pt-BR" sz="1400" dirty="0" err="1" smtClean="0"/>
+              <a:rPr lang="pt-BR" sz="1200" dirty="0" err="1" smtClean="0"/>
               <a:t>git</a:t>
             </a:r>
             <a:r>
-              <a:rPr lang="pt-BR" sz="1400" dirty="0" smtClean="0"/>
+              <a:rPr lang="pt-BR" sz="1200" dirty="0" smtClean="0"/>
               <a:t>  log --</a:t>
             </a:r>
             <a:r>
-              <a:rPr lang="pt-BR" sz="1400" dirty="0" err="1"/>
+              <a:rPr lang="pt-BR" sz="1200" dirty="0" err="1"/>
               <a:t>pretty</a:t>
             </a:r>
             <a:r>
-              <a:rPr lang="pt-BR" sz="1400" dirty="0"/>
+              <a:rPr lang="pt-BR" sz="1200" dirty="0"/>
               <a:t>="</a:t>
             </a:r>
             <a:r>
-              <a:rPr lang="pt-BR" sz="1400" dirty="0" err="1"/>
+              <a:rPr lang="pt-BR" sz="1200" dirty="0" err="1"/>
               <a:t>format</a:t>
             </a:r>
             <a:r>
-              <a:rPr lang="pt-BR" sz="1400" dirty="0"/>
+              <a:rPr lang="pt-BR" sz="1200" dirty="0"/>
               <a:t>:%</a:t>
             </a:r>
             <a:r>
-              <a:rPr lang="pt-BR" sz="1400" dirty="0" smtClean="0"/>
+              <a:rPr lang="pt-BR" sz="1200" dirty="0" smtClean="0"/>
               <a:t>H“ (</a:t>
             </a:r>
             <a:r>
-              <a:rPr lang="pt-BR" sz="1400" dirty="0"/>
+              <a:rPr lang="pt-BR" sz="1200" dirty="0"/>
               <a:t>só aparece o </a:t>
             </a:r>
             <a:r>
-              <a:rPr lang="pt-BR" sz="1400" dirty="0" err="1" smtClean="0"/>
+              <a:rPr lang="pt-BR" sz="1200" dirty="0" err="1" smtClean="0"/>
               <a:t>hash</a:t>
             </a:r>
             <a:r>
-              <a:rPr lang="pt-BR" sz="1400" dirty="0" smtClean="0"/>
+              <a:rPr lang="pt-BR" sz="1200" dirty="0" smtClean="0"/>
               <a:t>)</a:t>
             </a:r>
           </a:p>
           <a:p>
             <a:r>
-              <a:rPr lang="pt-BR" sz="1400" dirty="0" err="1"/>
+              <a:rPr lang="pt-BR" sz="1200" dirty="0" err="1"/>
               <a:t>Infos</a:t>
             </a:r>
             <a:r>
-              <a:rPr lang="pt-BR" sz="1400" dirty="0"/>
+              <a:rPr lang="pt-BR" sz="1200" dirty="0"/>
               <a:t> </a:t>
             </a:r>
             <a:r>
-              <a:rPr lang="pt-BR" sz="1400" dirty="0" err="1" smtClean="0"/>
+              <a:rPr lang="pt-BR" sz="1200" dirty="0" err="1" smtClean="0"/>
               <a:t>hash</a:t>
             </a:r>
             <a:r>
-              <a:rPr lang="pt-BR" sz="1400" dirty="0" smtClean="0"/>
+              <a:rPr lang="pt-BR" sz="1200" dirty="0" smtClean="0"/>
               <a:t> resumido, </a:t>
             </a:r>
             <a:r>
-              <a:rPr lang="pt-BR" sz="1400" b="1" i="1" dirty="0" err="1" smtClean="0"/>
+              <a:rPr lang="pt-BR" sz="1200" b="1" i="1" dirty="0" err="1" smtClean="0"/>
               <a:t>commit</a:t>
             </a:r>
             <a:r>
-              <a:rPr lang="pt-BR" sz="1400" b="1" i="1" dirty="0" smtClean="0"/>
+              <a:rPr lang="pt-BR" sz="1200" b="1" i="1" dirty="0" smtClean="0"/>
               <a:t>, </a:t>
             </a:r>
             <a:r>
-              <a:rPr lang="pt-BR" sz="1400" b="1" i="1" dirty="0" err="1" smtClean="0"/>
+              <a:rPr lang="pt-BR" sz="1200" b="1" i="1" dirty="0" err="1" smtClean="0"/>
               <a:t>email</a:t>
             </a:r>
             <a:r>
-              <a:rPr lang="pt-BR" sz="1400" b="1" i="1" dirty="0" smtClean="0"/>
+              <a:rPr lang="pt-BR" sz="1200" b="1" i="1" dirty="0" smtClean="0"/>
               <a:t> do autor...</a:t>
             </a:r>
             <a:r>
-              <a:rPr lang="pt-BR" sz="1400" dirty="0" smtClean="0"/>
+              <a:rPr lang="pt-BR" sz="1200" dirty="0" smtClean="0"/>
               <a:t> </a:t>
             </a:r>
             <a:r>
-              <a:rPr lang="pt-BR" sz="1400" dirty="0"/>
+              <a:rPr lang="pt-BR" sz="1200" dirty="0"/>
               <a:t>() = </a:t>
             </a:r>
             <a:r>
-              <a:rPr lang="pt-BR" sz="1400" dirty="0" err="1"/>
+              <a:rPr lang="pt-BR" sz="1200" dirty="0" err="1"/>
               <a:t>git</a:t>
             </a:r>
             <a:r>
-              <a:rPr lang="pt-BR" sz="1400" dirty="0"/>
+              <a:rPr lang="pt-BR" sz="1200" dirty="0"/>
               <a:t>  log --</a:t>
             </a:r>
             <a:r>
-              <a:rPr lang="pt-BR" sz="1400" dirty="0" err="1"/>
+              <a:rPr lang="pt-BR" sz="1200" dirty="0" err="1"/>
               <a:t>pretty</a:t>
             </a:r>
             <a:r>
-              <a:rPr lang="pt-BR" sz="1400" dirty="0"/>
+              <a:rPr lang="pt-BR" sz="1200" dirty="0"/>
               <a:t>="</a:t>
             </a:r>
             <a:r>
-              <a:rPr lang="pt-BR" sz="1400" dirty="0" err="1"/>
+              <a:rPr lang="pt-BR" sz="1200" dirty="0" err="1"/>
               <a:t>format</a:t>
             </a:r>
             <a:r>
-              <a:rPr lang="pt-BR" sz="1400" dirty="0" smtClean="0"/>
+              <a:rPr lang="pt-BR" sz="1200" dirty="0" smtClean="0"/>
               <a:t>:%h </a:t>
             </a:r>
             <a:r>
-              <a:rPr lang="pt-BR" sz="1400" b="1" i="1" dirty="0" smtClean="0"/>
+              <a:rPr lang="pt-BR" sz="1200" b="1" i="1" dirty="0" smtClean="0"/>
               <a:t>%s %</a:t>
             </a:r>
             <a:r>
-              <a:rPr lang="pt-BR" sz="1400" b="1" i="1" dirty="0" err="1" smtClean="0"/>
+              <a:rPr lang="pt-BR" sz="1200" b="1" i="1" dirty="0" err="1" smtClean="0"/>
               <a:t>ae</a:t>
             </a:r>
             <a:r>
-              <a:rPr lang="pt-BR" sz="1400" dirty="0" smtClean="0"/>
+              <a:rPr lang="pt-BR" sz="1200" dirty="0" smtClean="0"/>
               <a:t>“</a:t>
             </a:r>
           </a:p>
           <a:p>
             <a:r>
-              <a:rPr lang="pt-BR" sz="1400" u="sng" dirty="0"/>
+              <a:rPr lang="pt-BR" sz="1200" u="sng" dirty="0"/>
               <a:t>	</a:t>
             </a:r>
             <a:r>
-              <a:rPr lang="pt-BR" sz="1400" u="sng" dirty="0" smtClean="0"/>
+              <a:rPr lang="pt-BR" sz="1200" u="sng" dirty="0" smtClean="0"/>
               <a:t>Link para mais atalhos </a:t>
             </a:r>
             <a:r>
-              <a:rPr lang="pt-BR" sz="1400" u="sng" dirty="0"/>
+              <a:rPr lang="pt-BR" sz="1200" u="sng" dirty="0"/>
               <a:t>de histórico: http://devhints.io/git-log</a:t>
             </a:r>
-            <a:endParaRPr lang="pt-BR" sz="1400" u="sng" dirty="0" smtClean="0"/>
-          </a:p>
-          <a:p>
-            <a:endParaRPr lang="pt-BR" sz="1400" dirty="0" smtClean="0"/>
+            <a:endParaRPr lang="pt-BR" sz="1200" u="sng" dirty="0" smtClean="0"/>
+          </a:p>
+          <a:p>
+            <a:endParaRPr lang="pt-BR" sz="1200" dirty="0" smtClean="0"/>
           </a:p>
           <a:p>
             <a:pPr marL="285750" indent="-285750">
@@ -3597,7 +3666,7 @@
               <a:buChar char="•"/>
             </a:pPr>
             <a:r>
-              <a:rPr lang="pt-BR" sz="1400" b="1" u="sng" dirty="0" smtClean="0">
+              <a:rPr lang="pt-BR" sz="1200" b="1" u="sng" dirty="0" smtClean="0">
                 <a:effectLst>
                   <a:outerShdw blurRad="38100" dist="38100" dir="2700000" algn="tl">
                     <a:srgbClr val="000000">
@@ -3611,40 +3680,40 @@
           </a:p>
           <a:p>
             <a:r>
-              <a:rPr lang="pt-BR" sz="1400" dirty="0" smtClean="0"/>
+              <a:rPr lang="pt-BR" sz="1200" dirty="0" smtClean="0"/>
               <a:t>Ver os que estão = </a:t>
             </a:r>
             <a:r>
-              <a:rPr lang="pt-BR" sz="1400" dirty="0" err="1" smtClean="0"/>
+              <a:rPr lang="pt-BR" sz="1200" dirty="0" err="1" smtClean="0"/>
               <a:t>ls</a:t>
             </a:r>
-            <a:endParaRPr lang="pt-BR" sz="1400" dirty="0" smtClean="0"/>
-          </a:p>
-          <a:p>
-            <a:r>
-              <a:rPr lang="pt-BR" sz="1400" dirty="0" smtClean="0"/>
+            <a:endParaRPr lang="pt-BR" sz="1200" dirty="0" smtClean="0"/>
+          </a:p>
+          <a:p>
+            <a:r>
+              <a:rPr lang="pt-BR" sz="1200" dirty="0" smtClean="0"/>
               <a:t>Status atual = </a:t>
             </a:r>
             <a:r>
-              <a:rPr lang="pt-BR" sz="1400" dirty="0" err="1" smtClean="0"/>
+              <a:rPr lang="pt-BR" sz="1200" dirty="0" err="1" smtClean="0"/>
               <a:t>git</a:t>
             </a:r>
             <a:r>
-              <a:rPr lang="pt-BR" sz="1400" dirty="0" smtClean="0"/>
+              <a:rPr lang="pt-BR" sz="1200" dirty="0" smtClean="0"/>
               <a:t> status</a:t>
             </a:r>
           </a:p>
           <a:p>
-            <a:endParaRPr lang="pt-BR" sz="1400" dirty="0"/>
-          </a:p>
-          <a:p>
-            <a:endParaRPr lang="pt-BR" sz="1400" dirty="0"/>
-          </a:p>
-          <a:p>
-            <a:endParaRPr lang="pt-BR" sz="1400" dirty="0"/>
-          </a:p>
-          <a:p>
-            <a:endParaRPr lang="pt-BR" sz="1400" dirty="0" smtClean="0"/>
+            <a:endParaRPr lang="pt-BR" sz="1200" dirty="0"/>
+          </a:p>
+          <a:p>
+            <a:endParaRPr lang="pt-BR" sz="1200" dirty="0"/>
+          </a:p>
+          <a:p>
+            <a:endParaRPr lang="pt-BR" sz="1200" dirty="0"/>
+          </a:p>
+          <a:p>
+            <a:endParaRPr lang="pt-BR" sz="1200" dirty="0" smtClean="0"/>
           </a:p>
         </p:txBody>
       </p:sp>
@@ -3758,8 +3827,8 @@
         </p:nvSpPr>
         <p:spPr>
           <a:xfrm>
-            <a:off x="4501662" y="141210"/>
-            <a:ext cx="3640015" cy="646331"/>
+            <a:off x="4615962" y="149469"/>
+            <a:ext cx="3525715" cy="646331"/>
           </a:xfrm>
           <a:prstGeom prst="rect">
             <a:avLst/>
@@ -4228,11 +4297,7 @@
             </a:r>
             <a:r>
               <a:rPr lang="pt-BR" sz="1400" dirty="0" smtClean="0"/>
-              <a:t> </a:t>
-            </a:r>
-            <a:r>
-              <a:rPr lang="pt-BR" sz="1400" dirty="0" smtClean="0"/>
-              <a:t>= </a:t>
+              <a:t> = </a:t>
             </a:r>
             <a:r>
               <a:rPr lang="pt-BR" sz="1400" dirty="0" err="1" smtClean="0"/>
@@ -4286,11 +4351,7 @@
             </a:r>
             <a:r>
               <a:rPr lang="pt-BR" sz="1400" dirty="0" smtClean="0"/>
-              <a:t> </a:t>
-            </a:r>
-            <a:r>
-              <a:rPr lang="pt-BR" sz="1400" dirty="0" smtClean="0"/>
-              <a:t>os arquivos, só o a </a:t>
+              <a:t> os arquivos, só o a </a:t>
             </a:r>
             <a:r>
               <a:rPr lang="pt-BR" sz="1400" dirty="0" err="1" smtClean="0"/>

--- a/Atalhos img.pptx
+++ b/Atalhos img.pptx
@@ -3004,7 +3004,7 @@
         <p:spPr>
           <a:xfrm>
             <a:off x="185657" y="326375"/>
-            <a:ext cx="7701043" cy="6740307"/>
+            <a:ext cx="7701043" cy="6924973"/>
           </a:xfrm>
           <a:prstGeom prst="rect">
             <a:avLst/>
@@ -3095,7 +3095,58 @@
             </a:r>
             <a:r>
               <a:rPr lang="pt-BR" sz="1200" dirty="0"/>
-              <a:t>: https://git-scm.com/book/en/v2/Customizing-Git-Git-Configuration</a:t>
+              <a:t>: </a:t>
+            </a:r>
+            <a:r>
+              <a:rPr lang="pt-BR" sz="1200" dirty="0">
+                <a:hlinkClick r:id="rId4"/>
+              </a:rPr>
+              <a:t>https://</a:t>
+            </a:r>
+            <a:r>
+              <a:rPr lang="pt-BR" sz="1200" dirty="0" smtClean="0">
+                <a:hlinkClick r:id="rId4"/>
+              </a:rPr>
+              <a:t>git-scm.com/book/en/v2/Customizing-Git-Git-Configuration</a:t>
+            </a:r>
+            <a:endParaRPr lang="pt-BR" sz="1200" dirty="0" smtClean="0"/>
+          </a:p>
+          <a:p>
+            <a:r>
+              <a:rPr lang="pt-BR" sz="1200" dirty="0" smtClean="0"/>
+              <a:t>MUDAR A BRANCHA PRA MAIN = </a:t>
+            </a:r>
+            <a:r>
+              <a:rPr lang="pt-BR" sz="1200" dirty="0" err="1" smtClean="0"/>
+              <a:t>git</a:t>
+            </a:r>
+            <a:r>
+              <a:rPr lang="pt-BR" sz="1200" dirty="0" smtClean="0"/>
+              <a:t> </a:t>
+            </a:r>
+            <a:r>
+              <a:rPr lang="pt-BR" sz="1200" dirty="0" err="1" smtClean="0"/>
+              <a:t>branch</a:t>
+            </a:r>
+            <a:r>
+              <a:rPr lang="pt-BR" sz="1200" dirty="0" smtClean="0"/>
+              <a:t> –M “</a:t>
+            </a:r>
+            <a:r>
+              <a:rPr lang="pt-BR" sz="1200" dirty="0" err="1" smtClean="0"/>
+              <a:t>main</a:t>
+            </a:r>
+            <a:r>
+              <a:rPr lang="pt-BR" sz="1200" dirty="0" smtClean="0"/>
+              <a:t>” (reiniciar o </a:t>
+            </a:r>
+            <a:r>
+              <a:rPr lang="pt-BR" sz="1200" dirty="0" err="1" smtClean="0"/>
+              <a:t>vscode</a:t>
+            </a:r>
+            <a:r>
+              <a:rPr lang="pt-BR" sz="1200" dirty="0" smtClean="0"/>
+              <a:t>)</a:t>
             </a:r>
             <a:endParaRPr lang="pt-BR" sz="1200" dirty="0" smtClean="0"/>
           </a:p>
@@ -3726,7 +3777,7 @@
           <p:nvPr/>
         </p:nvPicPr>
         <p:blipFill>
-          <a:blip r:embed="rId4"/>
+          <a:blip r:embed="rId5"/>
           <a:stretch>
             <a:fillRect/>
           </a:stretch>
@@ -3857,6 +3908,30 @@
           </a:p>
         </p:txBody>
       </p:sp>
+      <p:pic>
+        <p:nvPicPr>
+          <p:cNvPr id="5" name="Imagem 4"/>
+          <p:cNvPicPr>
+            <a:picLocks noChangeAspect="1"/>
+          </p:cNvPicPr>
+          <p:nvPr/>
+        </p:nvPicPr>
+        <p:blipFill>
+          <a:blip r:embed="rId6"/>
+          <a:stretch>
+            <a:fillRect/>
+          </a:stretch>
+        </p:blipFill>
+        <p:spPr>
+          <a:xfrm>
+            <a:off x="4882158" y="1741848"/>
+            <a:ext cx="1952898" cy="438211"/>
+          </a:xfrm>
+          <a:prstGeom prst="rect">
+            <a:avLst/>
+          </a:prstGeom>
+        </p:spPr>
+      </p:pic>
     </p:spTree>
     <p:extLst>
       <p:ext uri="{BB962C8B-B14F-4D97-AF65-F5344CB8AC3E}">

--- a/Atalhos img.pptx
+++ b/Atalhos img.pptx
@@ -8,6 +8,7 @@
     <p:sldId id="256" r:id="rId2"/>
     <p:sldId id="257" r:id="rId3"/>
     <p:sldId id="258" r:id="rId4"/>
+    <p:sldId id="259" r:id="rId5"/>
   </p:sldIdLst>
   <p:sldSz cx="12192000" cy="6858000"/>
   <p:notesSz cx="6858000" cy="9144000"/>
@@ -245,7 +246,7 @@
           <a:p>
             <a:fld id="{D7EF89F4-677A-454A-B8BB-E8AE75CC721B}" type="datetimeFigureOut">
               <a:rPr lang="pt-BR" smtClean="0"/>
-              <a:t>10/05/2022</a:t>
+              <a:t>13/05/2022</a:t>
             </a:fld>
             <a:endParaRPr lang="pt-BR"/>
           </a:p>
@@ -415,7 +416,7 @@
           <a:p>
             <a:fld id="{D7EF89F4-677A-454A-B8BB-E8AE75CC721B}" type="datetimeFigureOut">
               <a:rPr lang="pt-BR" smtClean="0"/>
-              <a:t>10/05/2022</a:t>
+              <a:t>13/05/2022</a:t>
             </a:fld>
             <a:endParaRPr lang="pt-BR"/>
           </a:p>
@@ -595,7 +596,7 @@
           <a:p>
             <a:fld id="{D7EF89F4-677A-454A-B8BB-E8AE75CC721B}" type="datetimeFigureOut">
               <a:rPr lang="pt-BR" smtClean="0"/>
-              <a:t>10/05/2022</a:t>
+              <a:t>13/05/2022</a:t>
             </a:fld>
             <a:endParaRPr lang="pt-BR"/>
           </a:p>
@@ -765,7 +766,7 @@
           <a:p>
             <a:fld id="{D7EF89F4-677A-454A-B8BB-E8AE75CC721B}" type="datetimeFigureOut">
               <a:rPr lang="pt-BR" smtClean="0"/>
-              <a:t>10/05/2022</a:t>
+              <a:t>13/05/2022</a:t>
             </a:fld>
             <a:endParaRPr lang="pt-BR"/>
           </a:p>
@@ -1011,7 +1012,7 @@
           <a:p>
             <a:fld id="{D7EF89F4-677A-454A-B8BB-E8AE75CC721B}" type="datetimeFigureOut">
               <a:rPr lang="pt-BR" smtClean="0"/>
-              <a:t>10/05/2022</a:t>
+              <a:t>13/05/2022</a:t>
             </a:fld>
             <a:endParaRPr lang="pt-BR"/>
           </a:p>
@@ -1243,7 +1244,7 @@
           <a:p>
             <a:fld id="{D7EF89F4-677A-454A-B8BB-E8AE75CC721B}" type="datetimeFigureOut">
               <a:rPr lang="pt-BR" smtClean="0"/>
-              <a:t>10/05/2022</a:t>
+              <a:t>13/05/2022</a:t>
             </a:fld>
             <a:endParaRPr lang="pt-BR"/>
           </a:p>
@@ -1610,7 +1611,7 @@
           <a:p>
             <a:fld id="{D7EF89F4-677A-454A-B8BB-E8AE75CC721B}" type="datetimeFigureOut">
               <a:rPr lang="pt-BR" smtClean="0"/>
-              <a:t>10/05/2022</a:t>
+              <a:t>13/05/2022</a:t>
             </a:fld>
             <a:endParaRPr lang="pt-BR"/>
           </a:p>
@@ -1728,7 +1729,7 @@
           <a:p>
             <a:fld id="{D7EF89F4-677A-454A-B8BB-E8AE75CC721B}" type="datetimeFigureOut">
               <a:rPr lang="pt-BR" smtClean="0"/>
-              <a:t>10/05/2022</a:t>
+              <a:t>13/05/2022</a:t>
             </a:fld>
             <a:endParaRPr lang="pt-BR"/>
           </a:p>
@@ -1823,7 +1824,7 @@
           <a:p>
             <a:fld id="{D7EF89F4-677A-454A-B8BB-E8AE75CC721B}" type="datetimeFigureOut">
               <a:rPr lang="pt-BR" smtClean="0"/>
-              <a:t>10/05/2022</a:t>
+              <a:t>13/05/2022</a:t>
             </a:fld>
             <a:endParaRPr lang="pt-BR"/>
           </a:p>
@@ -2100,7 +2101,7 @@
           <a:p>
             <a:fld id="{D7EF89F4-677A-454A-B8BB-E8AE75CC721B}" type="datetimeFigureOut">
               <a:rPr lang="pt-BR" smtClean="0"/>
-              <a:t>10/05/2022</a:t>
+              <a:t>13/05/2022</a:t>
             </a:fld>
             <a:endParaRPr lang="pt-BR"/>
           </a:p>
@@ -2353,7 +2354,7 @@
           <a:p>
             <a:fld id="{D7EF89F4-677A-454A-B8BB-E8AE75CC721B}" type="datetimeFigureOut">
               <a:rPr lang="pt-BR" smtClean="0"/>
-              <a:t>10/05/2022</a:t>
+              <a:t>13/05/2022</a:t>
             </a:fld>
             <a:endParaRPr lang="pt-BR"/>
           </a:p>
@@ -2566,7 +2567,7 @@
           <a:p>
             <a:fld id="{D7EF89F4-677A-454A-B8BB-E8AE75CC721B}" type="datetimeFigureOut">
               <a:rPr lang="pt-BR" smtClean="0"/>
-              <a:t>10/05/2022</a:t>
+              <a:t>13/05/2022</a:t>
             </a:fld>
             <a:endParaRPr lang="pt-BR"/>
           </a:p>
@@ -3148,7 +3149,6 @@
               <a:rPr lang="pt-BR" sz="1200" dirty="0" smtClean="0"/>
               <a:t>)</a:t>
             </a:r>
-            <a:endParaRPr lang="pt-BR" sz="1200" dirty="0" smtClean="0"/>
           </a:p>
           <a:p>
             <a:endParaRPr lang="pt-BR" sz="1200" dirty="0" smtClean="0"/>
@@ -5002,6 +5002,658 @@
     <p:extLst>
       <p:ext uri="{BB962C8B-B14F-4D97-AF65-F5344CB8AC3E}">
         <p14:creationId xmlns:p14="http://schemas.microsoft.com/office/powerpoint/2010/main" val="2472474100"/>
+      </p:ext>
+    </p:extLst>
+  </p:cSld>
+  <p:clrMapOvr>
+    <a:masterClrMapping/>
+  </p:clrMapOvr>
+  <p:timing>
+    <p:tnLst>
+      <p:par>
+        <p:cTn id="1" dur="indefinite" restart="never" nodeType="tmRoot"/>
+      </p:par>
+    </p:tnLst>
+  </p:timing>
+</p:sld>
+</file>
+
+<file path=ppt/slides/slide4.xml><?xml version="1.0" encoding="utf-8"?>
+<p:sld xmlns:a="http://schemas.openxmlformats.org/drawingml/2006/main" xmlns:r="http://schemas.openxmlformats.org/officeDocument/2006/relationships" xmlns:p="http://schemas.openxmlformats.org/presentationml/2006/main">
+  <p:cSld>
+    <p:spTree>
+      <p:nvGrpSpPr>
+        <p:cNvPr id="1" name=""/>
+        <p:cNvGrpSpPr/>
+        <p:nvPr/>
+      </p:nvGrpSpPr>
+      <p:grpSpPr>
+        <a:xfrm>
+          <a:off x="0" y="0"/>
+          <a:ext cx="0" cy="0"/>
+          <a:chOff x="0" y="0"/>
+          <a:chExt cx="0" cy="0"/>
+        </a:xfrm>
+      </p:grpSpPr>
+      <p:sp>
+        <p:nvSpPr>
+          <p:cNvPr id="2" name="Retângulo 1"/>
+          <p:cNvSpPr/>
+          <p:nvPr/>
+        </p:nvSpPr>
+        <p:spPr>
+          <a:xfrm>
+            <a:off x="336859" y="796333"/>
+            <a:ext cx="7664141" cy="2246769"/>
+          </a:xfrm>
+          <a:prstGeom prst="rect">
+            <a:avLst/>
+          </a:prstGeom>
+        </p:spPr>
+        <p:txBody>
+          <a:bodyPr wrap="square">
+            <a:spAutoFit/>
+          </a:bodyPr>
+          <a:lstStyle/>
+          <a:p>
+            <a:pPr marL="285750" indent="-285750">
+              <a:buFont typeface="Arial" panose="020B0604020202020204" pitchFamily="34" charset="0"/>
+              <a:buChar char="•"/>
+            </a:pPr>
+            <a:r>
+              <a:rPr lang="pt-BR" sz="1400" b="1" u="sng" dirty="0" smtClean="0">
+                <a:effectLst>
+                  <a:outerShdw blurRad="38100" dist="38100" dir="2700000" algn="tl">
+                    <a:srgbClr val="000000">
+                      <a:alpha val="43137"/>
+                    </a:srgbClr>
+                  </a:outerShdw>
+                </a:effectLst>
+              </a:rPr>
+              <a:t>Criando uma nova pasta de onde eu </a:t>
+            </a:r>
+            <a:r>
+              <a:rPr lang="pt-BR" sz="1400" b="1" u="sng" dirty="0" err="1" smtClean="0">
+                <a:effectLst>
+                  <a:outerShdw blurRad="38100" dist="38100" dir="2700000" algn="tl">
+                    <a:srgbClr val="000000">
+                      <a:alpha val="43137"/>
+                    </a:srgbClr>
+                  </a:outerShdw>
+                </a:effectLst>
+              </a:rPr>
+              <a:t>tava</a:t>
+            </a:r>
+            <a:endParaRPr lang="pt-BR" sz="1400" b="1" u="sng" dirty="0" smtClean="0">
+              <a:effectLst>
+                <a:outerShdw blurRad="38100" dist="38100" dir="2700000" algn="tl">
+                  <a:srgbClr val="000000">
+                    <a:alpha val="43137"/>
+                  </a:srgbClr>
+                </a:outerShdw>
+              </a:effectLst>
+            </a:endParaRPr>
+          </a:p>
+          <a:p>
+            <a:r>
+              <a:rPr lang="pt-BR" sz="1400" dirty="0" smtClean="0">
+                <a:effectLst>
+                  <a:outerShdw blurRad="38100" dist="38100" dir="2700000" algn="tl">
+                    <a:srgbClr val="000000">
+                      <a:alpha val="43137"/>
+                    </a:srgbClr>
+                  </a:outerShdw>
+                </a:effectLst>
+              </a:rPr>
+              <a:t>Voltar uma pasta = </a:t>
+            </a:r>
+            <a:r>
+              <a:rPr lang="pt-BR" sz="1400" dirty="0" err="1" smtClean="0">
+                <a:effectLst>
+                  <a:outerShdw blurRad="38100" dist="38100" dir="2700000" algn="tl">
+                    <a:srgbClr val="000000">
+                      <a:alpha val="43137"/>
+                    </a:srgbClr>
+                  </a:outerShdw>
+                </a:effectLst>
+              </a:rPr>
+              <a:t>cd</a:t>
+            </a:r>
+            <a:r>
+              <a:rPr lang="pt-BR" sz="1400" dirty="0" smtClean="0">
+                <a:effectLst>
+                  <a:outerShdw blurRad="38100" dist="38100" dir="2700000" algn="tl">
+                    <a:srgbClr val="000000">
+                      <a:alpha val="43137"/>
+                    </a:srgbClr>
+                  </a:outerShdw>
+                </a:effectLst>
+              </a:rPr>
+              <a:t> ..</a:t>
+            </a:r>
+          </a:p>
+          <a:p>
+            <a:r>
+              <a:rPr lang="pt-BR" sz="1400" dirty="0" smtClean="0">
+                <a:effectLst>
+                  <a:outerShdw blurRad="38100" dist="38100" dir="2700000" algn="tl">
+                    <a:srgbClr val="000000">
+                      <a:alpha val="43137"/>
+                    </a:srgbClr>
+                  </a:outerShdw>
+                </a:effectLst>
+              </a:rPr>
+              <a:t>Criar a pasta da Ana = </a:t>
+            </a:r>
+            <a:r>
+              <a:rPr lang="pt-BR" sz="1400" dirty="0" err="1" smtClean="0">
+                <a:effectLst>
+                  <a:outerShdw blurRad="38100" dist="38100" dir="2700000" algn="tl">
+                    <a:srgbClr val="000000">
+                      <a:alpha val="43137"/>
+                    </a:srgbClr>
+                  </a:outerShdw>
+                </a:effectLst>
+              </a:rPr>
+              <a:t>mkdir</a:t>
+            </a:r>
+            <a:r>
+              <a:rPr lang="pt-BR" sz="1400" dirty="0" smtClean="0">
+                <a:effectLst>
+                  <a:outerShdw blurRad="38100" dist="38100" dir="2700000" algn="tl">
+                    <a:srgbClr val="000000">
+                      <a:alpha val="43137"/>
+                    </a:srgbClr>
+                  </a:outerShdw>
+                </a:effectLst>
+              </a:rPr>
+              <a:t> </a:t>
+            </a:r>
+            <a:r>
+              <a:rPr lang="pt-BR" sz="1400" dirty="0" err="1" smtClean="0">
+                <a:effectLst>
+                  <a:outerShdw blurRad="38100" dist="38100" dir="2700000" algn="tl">
+                    <a:srgbClr val="000000">
+                      <a:alpha val="43137"/>
+                    </a:srgbClr>
+                  </a:outerShdw>
+                </a:effectLst>
+              </a:rPr>
+              <a:t>ana</a:t>
+            </a:r>
+            <a:endParaRPr lang="pt-BR" sz="1400" dirty="0" smtClean="0">
+              <a:effectLst>
+                <a:outerShdw blurRad="38100" dist="38100" dir="2700000" algn="tl">
+                  <a:srgbClr val="000000">
+                    <a:alpha val="43137"/>
+                  </a:srgbClr>
+                </a:outerShdw>
+              </a:effectLst>
+            </a:endParaRPr>
+          </a:p>
+          <a:p>
+            <a:r>
+              <a:rPr lang="pt-BR" sz="1400" dirty="0" smtClean="0"/>
+              <a:t>Entrar na pasta = </a:t>
+            </a:r>
+            <a:r>
+              <a:rPr lang="pt-BR" sz="1400" dirty="0" err="1" smtClean="0"/>
+              <a:t>cd</a:t>
+            </a:r>
+            <a:r>
+              <a:rPr lang="pt-BR" sz="1400" dirty="0" smtClean="0"/>
+              <a:t> </a:t>
+            </a:r>
+            <a:r>
+              <a:rPr lang="pt-BR" sz="1400" dirty="0" err="1" smtClean="0"/>
+              <a:t>ana</a:t>
+            </a:r>
+            <a:r>
+              <a:rPr lang="pt-BR" sz="1400" dirty="0"/>
+              <a:t> </a:t>
+            </a:r>
+            <a:r>
+              <a:rPr lang="pt-BR" sz="1400" dirty="0" smtClean="0"/>
+              <a:t>(simbolizando o computador da </a:t>
+            </a:r>
+            <a:r>
+              <a:rPr lang="pt-BR" sz="1400" dirty="0" err="1" smtClean="0"/>
+              <a:t>ana</a:t>
+            </a:r>
+            <a:r>
+              <a:rPr lang="pt-BR" sz="1400" dirty="0" smtClean="0"/>
+              <a:t>)</a:t>
+            </a:r>
+          </a:p>
+          <a:p>
+            <a:r>
+              <a:rPr lang="pt-BR" sz="1400" dirty="0"/>
+              <a:t>	</a:t>
+            </a:r>
+            <a:r>
+              <a:rPr lang="pt-BR" sz="1400" dirty="0" smtClean="0"/>
+              <a:t>Agora ela vai clonar, pela primeira vez o servidor no </a:t>
+            </a:r>
+            <a:r>
+              <a:rPr lang="pt-BR" sz="1400" dirty="0" err="1" smtClean="0"/>
+              <a:t>pc</a:t>
+            </a:r>
+            <a:r>
+              <a:rPr lang="pt-BR" sz="1400" dirty="0" smtClean="0"/>
+              <a:t> dela</a:t>
+            </a:r>
+          </a:p>
+          <a:p>
+            <a:r>
+              <a:rPr lang="pt-BR" sz="1400" dirty="0" smtClean="0"/>
+              <a:t>Clonagem e </a:t>
+            </a:r>
+            <a:r>
+              <a:rPr lang="pt-BR" sz="1400" b="1" i="1" dirty="0" smtClean="0"/>
+              <a:t>nome da pasta</a:t>
+            </a:r>
+            <a:r>
+              <a:rPr lang="pt-BR" sz="1400" dirty="0" smtClean="0"/>
+              <a:t> = </a:t>
+            </a:r>
+            <a:r>
+              <a:rPr lang="pt-BR" sz="1400" dirty="0" err="1" smtClean="0"/>
+              <a:t>git</a:t>
+            </a:r>
+            <a:r>
+              <a:rPr lang="pt-BR" sz="1400" dirty="0" smtClean="0"/>
+              <a:t> clone “(endereço do servidor, </a:t>
+            </a:r>
+            <a:r>
+              <a:rPr lang="pt-BR" sz="1400" dirty="0"/>
+              <a:t>no caso D:\Yuri\01 </a:t>
+            </a:r>
+            <a:r>
+              <a:rPr lang="pt-BR" sz="1400" dirty="0" err="1"/>
+              <a:t>Alura</a:t>
+            </a:r>
+            <a:r>
+              <a:rPr lang="pt-BR" sz="1400" dirty="0"/>
+              <a:t>\17 </a:t>
+            </a:r>
+            <a:r>
+              <a:rPr lang="pt-BR" sz="1400" dirty="0" err="1" smtClean="0"/>
+              <a:t>Git</a:t>
+            </a:r>
+            <a:r>
+              <a:rPr lang="pt-BR" sz="1400" dirty="0" smtClean="0"/>
+              <a:t>\servidor)” </a:t>
+            </a:r>
+            <a:r>
+              <a:rPr lang="pt-BR" sz="1400" b="1" i="1" dirty="0" smtClean="0"/>
+              <a:t>projeto</a:t>
+            </a:r>
+          </a:p>
+          <a:p>
+            <a:r>
+              <a:rPr lang="pt-BR" sz="1400" dirty="0"/>
+              <a:t>	</a:t>
+            </a:r>
+            <a:r>
+              <a:rPr lang="pt-BR" sz="1400" dirty="0" smtClean="0"/>
+              <a:t>Ele diz que está clonando um repositório vazio, justamente pois nenhum dado foi enviado</a:t>
+            </a:r>
+            <a:endParaRPr lang="pt-BR" sz="1400" dirty="0"/>
+          </a:p>
+          <a:p>
+            <a:endParaRPr lang="pt-BR" sz="1400" dirty="0"/>
+          </a:p>
+          <a:p>
+            <a:endParaRPr lang="pt-BR" sz="1400" dirty="0" smtClean="0"/>
+          </a:p>
+        </p:txBody>
+      </p:sp>
+      <p:sp>
+        <p:nvSpPr>
+          <p:cNvPr id="8" name="CaixaDeTexto 7"/>
+          <p:cNvSpPr txBox="1"/>
+          <p:nvPr/>
+        </p:nvSpPr>
+        <p:spPr>
+          <a:xfrm>
+            <a:off x="3257060" y="150002"/>
+            <a:ext cx="8934940" cy="646331"/>
+          </a:xfrm>
+          <a:prstGeom prst="rect">
+            <a:avLst/>
+          </a:prstGeom>
+          <a:noFill/>
+        </p:spPr>
+        <p:txBody>
+          <a:bodyPr wrap="square" rtlCol="0">
+            <a:spAutoFit/>
+          </a:bodyPr>
+          <a:lstStyle/>
+          <a:p>
+            <a:r>
+              <a:rPr lang="pt-BR" sz="3600" dirty="0" smtClean="0">
+                <a:solidFill>
+                  <a:srgbClr val="7030A0"/>
+                </a:solidFill>
+              </a:rPr>
+              <a:t>Pegando dados do servidor pela primeira vez </a:t>
+            </a:r>
+            <a:endParaRPr lang="pt-BR" sz="3600" dirty="0">
+              <a:solidFill>
+                <a:srgbClr val="7030A0"/>
+              </a:solidFill>
+            </a:endParaRPr>
+          </a:p>
+        </p:txBody>
+      </p:sp>
+      <p:pic>
+        <p:nvPicPr>
+          <p:cNvPr id="3" name="Imagem 2"/>
+          <p:cNvPicPr>
+            <a:picLocks noChangeAspect="1"/>
+          </p:cNvPicPr>
+          <p:nvPr/>
+        </p:nvPicPr>
+        <p:blipFill>
+          <a:blip r:embed="rId2"/>
+          <a:stretch>
+            <a:fillRect/>
+          </a:stretch>
+        </p:blipFill>
+        <p:spPr>
+          <a:xfrm>
+            <a:off x="7503459" y="919159"/>
+            <a:ext cx="4243120" cy="1222820"/>
+          </a:xfrm>
+          <a:prstGeom prst="rect">
+            <a:avLst/>
+          </a:prstGeom>
+        </p:spPr>
+      </p:pic>
+      <p:sp>
+        <p:nvSpPr>
+          <p:cNvPr id="5" name="Retângulo 4"/>
+          <p:cNvSpPr/>
+          <p:nvPr/>
+        </p:nvSpPr>
+        <p:spPr>
+          <a:xfrm>
+            <a:off x="336858" y="3384202"/>
+            <a:ext cx="7664141" cy="2246769"/>
+          </a:xfrm>
+          <a:prstGeom prst="rect">
+            <a:avLst/>
+          </a:prstGeom>
+        </p:spPr>
+        <p:txBody>
+          <a:bodyPr wrap="square">
+            <a:spAutoFit/>
+          </a:bodyPr>
+          <a:lstStyle/>
+          <a:p>
+            <a:pPr marL="285750" indent="-285750">
+              <a:buFont typeface="Arial" panose="020B0604020202020204" pitchFamily="34" charset="0"/>
+              <a:buChar char="•"/>
+            </a:pPr>
+            <a:r>
+              <a:rPr lang="pt-BR" sz="1400" b="1" u="sng" dirty="0" smtClean="0">
+                <a:effectLst>
+                  <a:outerShdw blurRad="38100" dist="38100" dir="2700000" algn="tl">
+                    <a:srgbClr val="000000">
+                      <a:alpha val="43137"/>
+                    </a:srgbClr>
+                  </a:outerShdw>
+                </a:effectLst>
+              </a:rPr>
+              <a:t>Upload pro servidor</a:t>
+            </a:r>
+            <a:endParaRPr lang="pt-BR" sz="1400" b="1" u="sng" dirty="0" smtClean="0">
+              <a:effectLst>
+                <a:outerShdw blurRad="38100" dist="38100" dir="2700000" algn="tl">
+                  <a:srgbClr val="000000">
+                    <a:alpha val="43137"/>
+                  </a:srgbClr>
+                </a:outerShdw>
+              </a:effectLst>
+            </a:endParaRPr>
+          </a:p>
+          <a:p>
+            <a:r>
+              <a:rPr lang="pt-BR" sz="1400" dirty="0" smtClean="0">
+                <a:effectLst>
+                  <a:outerShdw blurRad="38100" dist="38100" dir="2700000" algn="tl">
+                    <a:srgbClr val="000000">
+                      <a:alpha val="43137"/>
+                    </a:srgbClr>
+                  </a:outerShdw>
+                </a:effectLst>
+              </a:rPr>
+              <a:t>Pegar o link dado pelo </a:t>
+            </a:r>
+            <a:r>
+              <a:rPr lang="pt-BR" sz="1400" dirty="0" err="1" smtClean="0">
+                <a:effectLst>
+                  <a:outerShdw blurRad="38100" dist="38100" dir="2700000" algn="tl">
+                    <a:srgbClr val="000000">
+                      <a:alpha val="43137"/>
+                    </a:srgbClr>
+                  </a:outerShdw>
+                </a:effectLst>
+              </a:rPr>
+              <a:t>github.Ex</a:t>
+            </a:r>
+            <a:r>
+              <a:rPr lang="pt-BR" sz="1400" dirty="0" smtClean="0">
+                <a:effectLst>
+                  <a:outerShdw blurRad="38100" dist="38100" dir="2700000" algn="tl">
+                    <a:srgbClr val="000000">
+                      <a:alpha val="43137"/>
+                    </a:srgbClr>
+                  </a:outerShdw>
+                </a:effectLst>
+              </a:rPr>
+              <a:t>: </a:t>
+            </a:r>
+            <a:r>
+              <a:rPr lang="pt-BR" sz="1400" dirty="0">
+                <a:effectLst>
+                  <a:outerShdw blurRad="38100" dist="38100" dir="2700000" algn="tl">
+                    <a:srgbClr val="000000">
+                      <a:alpha val="43137"/>
+                    </a:srgbClr>
+                  </a:outerShdw>
+                </a:effectLst>
+                <a:hlinkClick r:id="rId3"/>
+              </a:rPr>
+              <a:t>https://</a:t>
+            </a:r>
+            <a:r>
+              <a:rPr lang="pt-BR" sz="1400" dirty="0" smtClean="0">
+                <a:effectLst>
+                  <a:outerShdw blurRad="38100" dist="38100" dir="2700000" algn="tl">
+                    <a:srgbClr val="000000">
+                      <a:alpha val="43137"/>
+                    </a:srgbClr>
+                  </a:outerShdw>
+                </a:effectLst>
+                <a:hlinkClick r:id="rId3"/>
+              </a:rPr>
+              <a:t>github.com/YuriCF1/ToDoList.git</a:t>
+            </a:r>
+            <a:r>
+              <a:rPr lang="pt-BR" sz="1400" dirty="0" smtClean="0">
+                <a:effectLst>
+                  <a:outerShdw blurRad="38100" dist="38100" dir="2700000" algn="tl">
+                    <a:srgbClr val="000000">
+                      <a:alpha val="43137"/>
+                    </a:srgbClr>
+                  </a:outerShdw>
+                </a:effectLst>
+              </a:rPr>
+              <a:t>  (não se esqueça do .</a:t>
+            </a:r>
+            <a:r>
+              <a:rPr lang="pt-BR" sz="1400" dirty="0" err="1" smtClean="0">
+                <a:effectLst>
+                  <a:outerShdw blurRad="38100" dist="38100" dir="2700000" algn="tl">
+                    <a:srgbClr val="000000">
+                      <a:alpha val="43137"/>
+                    </a:srgbClr>
+                  </a:outerShdw>
+                </a:effectLst>
+              </a:rPr>
+              <a:t>git</a:t>
+            </a:r>
+            <a:r>
+              <a:rPr lang="pt-BR" sz="1400" dirty="0" smtClean="0">
+                <a:effectLst>
+                  <a:outerShdw blurRad="38100" dist="38100" dir="2700000" algn="tl">
+                    <a:srgbClr val="000000">
+                      <a:alpha val="43137"/>
+                    </a:srgbClr>
+                  </a:outerShdw>
+                </a:effectLst>
+              </a:rPr>
+              <a:t> no final)</a:t>
+            </a:r>
+          </a:p>
+          <a:p>
+            <a:endParaRPr lang="pt-BR" sz="1400" dirty="0"/>
+          </a:p>
+          <a:p>
+            <a:r>
+              <a:rPr lang="pt-BR" sz="1400" dirty="0" smtClean="0"/>
+              <a:t>Para enviar: </a:t>
+            </a:r>
+            <a:r>
+              <a:rPr lang="pt-BR" sz="1400" dirty="0" err="1" smtClean="0"/>
+              <a:t>git</a:t>
+            </a:r>
+            <a:r>
+              <a:rPr lang="pt-BR" sz="1400" dirty="0" smtClean="0"/>
+              <a:t> </a:t>
+            </a:r>
+            <a:r>
+              <a:rPr lang="pt-BR" sz="1400" dirty="0" err="1" smtClean="0"/>
+              <a:t>push</a:t>
+            </a:r>
+            <a:r>
+              <a:rPr lang="pt-BR" sz="1400" dirty="0" smtClean="0"/>
+              <a:t> –u </a:t>
+            </a:r>
+            <a:r>
+              <a:rPr lang="pt-BR" sz="1400" dirty="0" err="1" smtClean="0"/>
+              <a:t>origin</a:t>
+            </a:r>
+            <a:r>
+              <a:rPr lang="pt-BR" sz="1400" dirty="0" smtClean="0"/>
+              <a:t> máster </a:t>
+            </a:r>
+          </a:p>
+          <a:p>
+            <a:r>
+              <a:rPr lang="pt-BR" sz="1400" dirty="0" err="1" smtClean="0"/>
+              <a:t>Origin</a:t>
+            </a:r>
+            <a:r>
+              <a:rPr lang="pt-BR" sz="1400" dirty="0" smtClean="0"/>
+              <a:t> = nome padrão do repositório no </a:t>
+            </a:r>
+            <a:r>
+              <a:rPr lang="pt-BR" sz="1400" dirty="0" err="1" smtClean="0"/>
+              <a:t>github</a:t>
+            </a:r>
+            <a:endParaRPr lang="pt-BR" sz="1400" dirty="0"/>
+          </a:p>
+          <a:p>
+            <a:r>
+              <a:rPr lang="pt-BR" sz="1400" dirty="0" smtClean="0"/>
+              <a:t>-u = Toda vez que </a:t>
+            </a:r>
+            <a:r>
+              <a:rPr lang="pt-BR" sz="1400" dirty="0" err="1" smtClean="0"/>
+              <a:t>vc</a:t>
+            </a:r>
+            <a:r>
+              <a:rPr lang="pt-BR" sz="1400" dirty="0" smtClean="0"/>
+              <a:t> digitar ‘</a:t>
+            </a:r>
+            <a:r>
+              <a:rPr lang="pt-BR" sz="1400" dirty="0" err="1" smtClean="0"/>
+              <a:t>git</a:t>
+            </a:r>
+            <a:r>
+              <a:rPr lang="pt-BR" sz="1400" dirty="0" smtClean="0"/>
+              <a:t> </a:t>
+            </a:r>
+            <a:r>
+              <a:rPr lang="pt-BR" sz="1400" dirty="0" err="1" smtClean="0"/>
+              <a:t>push</a:t>
+            </a:r>
+            <a:r>
+              <a:rPr lang="pt-BR" sz="1400" dirty="0" smtClean="0"/>
+              <a:t>’ e tiver no ‘máster’, irá mandar para o </a:t>
+            </a:r>
+            <a:r>
+              <a:rPr lang="pt-BR" sz="1400" dirty="0" err="1" smtClean="0"/>
+              <a:t>origin</a:t>
+            </a:r>
+            <a:endParaRPr lang="pt-BR" sz="1400" dirty="0" smtClean="0"/>
+          </a:p>
+          <a:p>
+            <a:r>
+              <a:rPr lang="pt-BR" sz="1400" dirty="0" smtClean="0"/>
+              <a:t>RECOMENDADO = Sempre dizer o repositório e a </a:t>
+            </a:r>
+            <a:r>
+              <a:rPr lang="pt-BR" sz="1400" dirty="0" err="1" smtClean="0"/>
+              <a:t>brand</a:t>
+            </a:r>
+            <a:r>
+              <a:rPr lang="pt-BR" sz="1400" dirty="0" smtClean="0"/>
+              <a:t> que eu queira mandar. Então tira o ‘–u’</a:t>
+            </a:r>
+          </a:p>
+          <a:p>
+            <a:endParaRPr lang="pt-BR" sz="1400" dirty="0"/>
+          </a:p>
+          <a:p>
+            <a:r>
+              <a:rPr lang="pt-BR" sz="1400" dirty="0" err="1" smtClean="0"/>
+              <a:t>git</a:t>
+            </a:r>
+            <a:r>
+              <a:rPr lang="pt-BR" sz="1400" dirty="0" smtClean="0"/>
+              <a:t> </a:t>
+            </a:r>
+            <a:r>
+              <a:rPr lang="pt-BR" sz="1400" dirty="0" err="1" smtClean="0"/>
+              <a:t>push</a:t>
+            </a:r>
+            <a:r>
+              <a:rPr lang="pt-BR" sz="1400" dirty="0" smtClean="0"/>
+              <a:t> </a:t>
+            </a:r>
+            <a:r>
+              <a:rPr lang="pt-BR" sz="1400" dirty="0" err="1" smtClean="0"/>
+              <a:t>origin</a:t>
+            </a:r>
+            <a:r>
+              <a:rPr lang="pt-BR" sz="1400" dirty="0" smtClean="0"/>
+              <a:t> </a:t>
+            </a:r>
+            <a:r>
+              <a:rPr lang="pt-BR" sz="1400" dirty="0" err="1" smtClean="0"/>
+              <a:t>master</a:t>
+            </a:r>
+            <a:endParaRPr lang="pt-BR" sz="1400" dirty="0" smtClean="0"/>
+          </a:p>
+        </p:txBody>
+      </p:sp>
+    </p:spTree>
+    <p:extLst>
+      <p:ext uri="{BB962C8B-B14F-4D97-AF65-F5344CB8AC3E}">
+        <p14:creationId xmlns:p14="http://schemas.microsoft.com/office/powerpoint/2010/main" val="3135698888"/>
       </p:ext>
     </p:extLst>
   </p:cSld>

--- a/Atalhos img.pptx
+++ b/Atalhos img.pptx
@@ -9,6 +9,7 @@
     <p:sldId id="257" r:id="rId3"/>
     <p:sldId id="258" r:id="rId4"/>
     <p:sldId id="259" r:id="rId5"/>
+    <p:sldId id="260" r:id="rId6"/>
   </p:sldIdLst>
   <p:sldSz cx="12192000" cy="6858000"/>
   <p:notesSz cx="6858000" cy="9144000"/>
@@ -3977,8 +3978,8 @@
         </p:nvSpPr>
         <p:spPr>
           <a:xfrm>
-            <a:off x="336859" y="280520"/>
-            <a:ext cx="6257371" cy="7048083"/>
+            <a:off x="336858" y="280520"/>
+            <a:ext cx="7558633" cy="6678751"/>
           </a:xfrm>
           <a:prstGeom prst="rect">
             <a:avLst/>
@@ -4154,8 +4155,68 @@
             </a:r>
             <a:r>
               <a:rPr lang="pt-BR" sz="1400" dirty="0" smtClean="0"/>
-              <a:t>irar criar o caminho do diretório, COPIAR ele</a:t>
-            </a:r>
+              <a:t>irar criar o caminho do diretório, COPIAR </a:t>
+            </a:r>
+            <a:r>
+              <a:rPr lang="pt-BR" sz="1400" dirty="0" smtClean="0"/>
+              <a:t>ele</a:t>
+            </a:r>
+          </a:p>
+          <a:p>
+            <a:pPr lvl="1"/>
+            <a:r>
+              <a:rPr lang="pt-BR" sz="1400" dirty="0"/>
+              <a:t>OBS: Não se esqueça do parâmetro --</a:t>
+            </a:r>
+            <a:r>
+              <a:rPr lang="pt-BR" sz="1400" dirty="0" err="1"/>
+              <a:t>bare</a:t>
+            </a:r>
+            <a:r>
+              <a:rPr lang="pt-BR" sz="1400" dirty="0"/>
+              <a:t>. Caso tenha executado o comando </a:t>
+            </a:r>
+            <a:r>
+              <a:rPr lang="pt-BR" sz="1400" dirty="0" err="1"/>
+              <a:t>init</a:t>
+            </a:r>
+            <a:r>
+              <a:rPr lang="pt-BR" sz="1400" dirty="0"/>
+              <a:t> sem esse parâmetro, execute na sequência o seguinte comando: </a:t>
+            </a:r>
+            <a:r>
+              <a:rPr lang="pt-BR" sz="1400" dirty="0" err="1"/>
+              <a:t>git</a:t>
+            </a:r>
+            <a:r>
+              <a:rPr lang="pt-BR" sz="1400" dirty="0"/>
+              <a:t> </a:t>
+            </a:r>
+            <a:r>
+              <a:rPr lang="pt-BR" sz="1400" dirty="0" err="1"/>
+              <a:t>config</a:t>
+            </a:r>
+            <a:r>
+              <a:rPr lang="pt-BR" sz="1400" dirty="0"/>
+              <a:t> </a:t>
+            </a:r>
+            <a:r>
+              <a:rPr lang="pt-BR" sz="1400" dirty="0" err="1"/>
+              <a:t>core.bare</a:t>
+            </a:r>
+            <a:r>
+              <a:rPr lang="pt-BR" sz="1400" dirty="0"/>
+              <a:t> </a:t>
+            </a:r>
+            <a:r>
+              <a:rPr lang="pt-BR" sz="1400" dirty="0" err="1"/>
+              <a:t>true</a:t>
+            </a:r>
+            <a:r>
+              <a:rPr lang="pt-BR" sz="1400" dirty="0"/>
+              <a:t>.</a:t>
+            </a:r>
+            <a:endParaRPr lang="pt-BR" sz="1400" dirty="0" smtClean="0"/>
           </a:p>
           <a:p>
             <a:r>
@@ -4241,23 +4302,23 @@
               <a:t>	</a:t>
             </a:r>
             <a:r>
-              <a:rPr lang="pt-BR" dirty="0"/>
+              <a:rPr lang="pt-BR" sz="1400" dirty="0"/>
               <a:t>D:/Yuri/01 </a:t>
             </a:r>
             <a:r>
-              <a:rPr lang="pt-BR" dirty="0" err="1"/>
+              <a:rPr lang="pt-BR" sz="1400" dirty="0" err="1"/>
               <a:t>Alura</a:t>
             </a:r>
             <a:r>
-              <a:rPr lang="pt-BR" dirty="0"/>
+              <a:rPr lang="pt-BR" sz="1400" dirty="0"/>
               <a:t>/17 </a:t>
             </a:r>
             <a:r>
-              <a:rPr lang="pt-BR" dirty="0" err="1"/>
+              <a:rPr lang="pt-BR" sz="1400" dirty="0" err="1"/>
               <a:t>Git</a:t>
             </a:r>
             <a:r>
-              <a:rPr lang="pt-BR" dirty="0"/>
+              <a:rPr lang="pt-BR" sz="1400" dirty="0"/>
               <a:t>/servidor/</a:t>
             </a:r>
             <a:endParaRPr lang="pt-BR" sz="1400" dirty="0" smtClean="0"/>
@@ -4508,8 +4569,8 @@
         </p:blipFill>
         <p:spPr>
           <a:xfrm>
-            <a:off x="6777889" y="606669"/>
-            <a:ext cx="5102244" cy="1617785"/>
+            <a:off x="7895491" y="606669"/>
+            <a:ext cx="3984642" cy="1263423"/>
           </a:xfrm>
           <a:prstGeom prst="rect">
             <a:avLst/>
@@ -4532,8 +4593,8 @@
         </p:blipFill>
         <p:spPr>
           <a:xfrm>
-            <a:off x="6777890" y="2488909"/>
-            <a:ext cx="5102244" cy="484609"/>
+            <a:off x="7895492" y="2488910"/>
+            <a:ext cx="3984642" cy="378460"/>
           </a:xfrm>
           <a:prstGeom prst="rect">
             <a:avLst/>
@@ -4556,8 +4617,8 @@
         </p:blipFill>
         <p:spPr>
           <a:xfrm>
-            <a:off x="6777890" y="3127453"/>
-            <a:ext cx="5102244" cy="471518"/>
+            <a:off x="7895492" y="3127453"/>
+            <a:ext cx="3984642" cy="368236"/>
           </a:xfrm>
           <a:prstGeom prst="rect">
             <a:avLst/>
@@ -4580,8 +4641,8 @@
         </p:blipFill>
         <p:spPr>
           <a:xfrm>
-            <a:off x="6777889" y="3906217"/>
-            <a:ext cx="5102244" cy="719991"/>
+            <a:off x="7895491" y="3906217"/>
+            <a:ext cx="3984642" cy="562283"/>
           </a:xfrm>
           <a:prstGeom prst="rect">
             <a:avLst/>
@@ -5407,15 +5468,6 @@
               </a:rPr>
               <a:t>Upload pro servidor</a:t>
             </a:r>
-            <a:endParaRPr lang="pt-BR" sz="1400" b="1" u="sng" dirty="0" smtClean="0">
-              <a:effectLst>
-                <a:outerShdw blurRad="38100" dist="38100" dir="2700000" algn="tl">
-                  <a:srgbClr val="000000">
-                    <a:alpha val="43137"/>
-                  </a:srgbClr>
-                </a:outerShdw>
-              </a:effectLst>
-            </a:endParaRPr>
           </a:p>
           <a:p>
             <a:r>
@@ -5654,6 +5706,547 @@
     <p:extLst>
       <p:ext uri="{BB962C8B-B14F-4D97-AF65-F5344CB8AC3E}">
         <p14:creationId xmlns:p14="http://schemas.microsoft.com/office/powerpoint/2010/main" val="3135698888"/>
+      </p:ext>
+    </p:extLst>
+  </p:cSld>
+  <p:clrMapOvr>
+    <a:masterClrMapping/>
+  </p:clrMapOvr>
+  <p:timing>
+    <p:tnLst>
+      <p:par>
+        <p:cTn id="1" dur="indefinite" restart="never" nodeType="tmRoot"/>
+      </p:par>
+    </p:tnLst>
+  </p:timing>
+</p:sld>
+</file>
+
+<file path=ppt/slides/slide5.xml><?xml version="1.0" encoding="utf-8"?>
+<p:sld xmlns:a="http://schemas.openxmlformats.org/drawingml/2006/main" xmlns:r="http://schemas.openxmlformats.org/officeDocument/2006/relationships" xmlns:p="http://schemas.openxmlformats.org/presentationml/2006/main">
+  <p:cSld>
+    <p:spTree>
+      <p:nvGrpSpPr>
+        <p:cNvPr id="1" name=""/>
+        <p:cNvGrpSpPr/>
+        <p:nvPr/>
+      </p:nvGrpSpPr>
+      <p:grpSpPr>
+        <a:xfrm>
+          <a:off x="0" y="0"/>
+          <a:ext cx="0" cy="0"/>
+          <a:chOff x="0" y="0"/>
+          <a:chExt cx="0" cy="0"/>
+        </a:xfrm>
+      </p:grpSpPr>
+      <p:sp>
+        <p:nvSpPr>
+          <p:cNvPr id="8" name="CaixaDeTexto 7"/>
+          <p:cNvSpPr txBox="1"/>
+          <p:nvPr/>
+        </p:nvSpPr>
+        <p:spPr>
+          <a:xfrm>
+            <a:off x="3257060" y="150002"/>
+            <a:ext cx="8934940" cy="646331"/>
+          </a:xfrm>
+          <a:prstGeom prst="rect">
+            <a:avLst/>
+          </a:prstGeom>
+          <a:noFill/>
+        </p:spPr>
+        <p:txBody>
+          <a:bodyPr wrap="square" rtlCol="0">
+            <a:spAutoFit/>
+          </a:bodyPr>
+          <a:lstStyle/>
+          <a:p>
+            <a:r>
+              <a:rPr lang="pt-BR" sz="3600" dirty="0" err="1" smtClean="0">
+                <a:solidFill>
+                  <a:srgbClr val="7030A0"/>
+                </a:solidFill>
+              </a:rPr>
+              <a:t>Resumão</a:t>
+            </a:r>
+            <a:r>
+              <a:rPr lang="pt-BR" sz="3600" dirty="0" smtClean="0">
+                <a:solidFill>
+                  <a:srgbClr val="7030A0"/>
+                </a:solidFill>
+              </a:rPr>
+              <a:t> do Cap. 3</a:t>
+            </a:r>
+          </a:p>
+        </p:txBody>
+      </p:sp>
+      <p:sp>
+        <p:nvSpPr>
+          <p:cNvPr id="9" name="Retângulo 8"/>
+          <p:cNvSpPr/>
+          <p:nvPr/>
+        </p:nvSpPr>
+        <p:spPr>
+          <a:xfrm>
+            <a:off x="427892" y="1032451"/>
+            <a:ext cx="5040923" cy="5262979"/>
+          </a:xfrm>
+          <a:prstGeom prst="rect">
+            <a:avLst/>
+          </a:prstGeom>
+        </p:spPr>
+        <p:txBody>
+          <a:bodyPr wrap="square">
+            <a:spAutoFit/>
+          </a:bodyPr>
+          <a:lstStyle/>
+          <a:p>
+            <a:r>
+              <a:rPr lang="pt-BR" sz="1400" dirty="0"/>
+              <a:t>Chegou a hora de você pôr em prática o que foi visto na aula. Para isso, execute os passos listados abaixo. 1) Crie uma pasta nova em seu computador; </a:t>
+            </a:r>
+            <a:endParaRPr lang="pt-BR" sz="1400" dirty="0" smtClean="0"/>
+          </a:p>
+          <a:p>
+            <a:r>
+              <a:rPr lang="pt-BR" sz="1400" dirty="0" smtClean="0"/>
+              <a:t>2</a:t>
+            </a:r>
+            <a:r>
+              <a:rPr lang="pt-BR" sz="1400" dirty="0"/>
+              <a:t>) No terminal (ou </a:t>
+            </a:r>
+            <a:r>
+              <a:rPr lang="pt-BR" sz="1400" dirty="0" err="1"/>
+              <a:t>Git</a:t>
+            </a:r>
+            <a:r>
+              <a:rPr lang="pt-BR" sz="1400" dirty="0"/>
+              <a:t> </a:t>
+            </a:r>
+            <a:r>
+              <a:rPr lang="pt-BR" sz="1400" dirty="0" err="1"/>
+              <a:t>Bash</a:t>
+            </a:r>
+            <a:r>
+              <a:rPr lang="pt-BR" sz="1400" dirty="0"/>
+              <a:t>, no Windows) navegue até a pasta recém criada (utilize o comando </a:t>
+            </a:r>
+            <a:r>
+              <a:rPr lang="pt-BR" sz="1400" dirty="0" err="1"/>
+              <a:t>cd</a:t>
+            </a:r>
+            <a:r>
+              <a:rPr lang="pt-BR" sz="1400" dirty="0"/>
+              <a:t> para navegar entre pastas); </a:t>
+            </a:r>
+            <a:endParaRPr lang="pt-BR" sz="1400" dirty="0" smtClean="0"/>
+          </a:p>
+          <a:p>
+            <a:r>
+              <a:rPr lang="pt-BR" sz="1400" dirty="0" smtClean="0"/>
+              <a:t>3</a:t>
+            </a:r>
+            <a:r>
+              <a:rPr lang="pt-BR" sz="1400" dirty="0"/>
+              <a:t>) Execute o comando </a:t>
+            </a:r>
+            <a:r>
+              <a:rPr lang="pt-BR" sz="1400" dirty="0" err="1"/>
+              <a:t>git</a:t>
+            </a:r>
+            <a:r>
+              <a:rPr lang="pt-BR" sz="1400" dirty="0"/>
+              <a:t> </a:t>
+            </a:r>
+            <a:r>
+              <a:rPr lang="pt-BR" sz="1400" dirty="0" err="1"/>
+              <a:t>init</a:t>
+            </a:r>
+            <a:r>
+              <a:rPr lang="pt-BR" sz="1400" dirty="0"/>
+              <a:t> --</a:t>
+            </a:r>
+            <a:r>
+              <a:rPr lang="pt-BR" sz="1400" dirty="0" err="1"/>
+              <a:t>bare</a:t>
+            </a:r>
+            <a:r>
+              <a:rPr lang="pt-BR" sz="1400" dirty="0"/>
+              <a:t>; OBS: Não se esqueça do parâmetro --</a:t>
+            </a:r>
+            <a:r>
+              <a:rPr lang="pt-BR" sz="1400" dirty="0" err="1"/>
+              <a:t>bare</a:t>
+            </a:r>
+            <a:r>
+              <a:rPr lang="pt-BR" sz="1400" dirty="0"/>
+              <a:t>. Caso tenha executado o comando </a:t>
+            </a:r>
+            <a:r>
+              <a:rPr lang="pt-BR" sz="1400" dirty="0" err="1"/>
+              <a:t>init</a:t>
+            </a:r>
+            <a:r>
+              <a:rPr lang="pt-BR" sz="1400" dirty="0"/>
+              <a:t> sem esse parâmetro, execute na sequência o seguinte comando: </a:t>
+            </a:r>
+            <a:r>
+              <a:rPr lang="pt-BR" sz="1400" dirty="0" err="1"/>
+              <a:t>git</a:t>
+            </a:r>
+            <a:r>
+              <a:rPr lang="pt-BR" sz="1400" dirty="0"/>
+              <a:t> </a:t>
+            </a:r>
+            <a:r>
+              <a:rPr lang="pt-BR" sz="1400" dirty="0" err="1"/>
+              <a:t>config</a:t>
+            </a:r>
+            <a:r>
+              <a:rPr lang="pt-BR" sz="1400" dirty="0"/>
+              <a:t> </a:t>
+            </a:r>
+            <a:r>
+              <a:rPr lang="pt-BR" sz="1400" dirty="0" err="1"/>
+              <a:t>core.bare</a:t>
+            </a:r>
+            <a:r>
+              <a:rPr lang="pt-BR" sz="1400" dirty="0"/>
+              <a:t> </a:t>
+            </a:r>
+            <a:r>
+              <a:rPr lang="pt-BR" sz="1400" dirty="0" err="1"/>
+              <a:t>true</a:t>
+            </a:r>
+            <a:r>
+              <a:rPr lang="pt-BR" sz="1400" dirty="0"/>
+              <a:t>. </a:t>
+            </a:r>
+            <a:endParaRPr lang="pt-BR" sz="1400" dirty="0" smtClean="0"/>
+          </a:p>
+          <a:p>
+            <a:r>
+              <a:rPr lang="pt-BR" sz="1400" dirty="0" smtClean="0"/>
+              <a:t>4</a:t>
+            </a:r>
+            <a:r>
+              <a:rPr lang="pt-BR" sz="1400" dirty="0"/>
+              <a:t>) Navegue até a pasta onde se encontra o seu projeto; </a:t>
+            </a:r>
+            <a:endParaRPr lang="pt-BR" sz="1400" dirty="0" smtClean="0"/>
+          </a:p>
+          <a:p>
+            <a:r>
+              <a:rPr lang="pt-BR" sz="1400" dirty="0" smtClean="0"/>
+              <a:t>5</a:t>
+            </a:r>
+            <a:r>
+              <a:rPr lang="pt-BR" sz="1400" dirty="0"/>
+              <a:t>) Execute o comando </a:t>
+            </a:r>
+            <a:r>
+              <a:rPr lang="pt-BR" sz="1400" dirty="0" err="1"/>
+              <a:t>git</a:t>
+            </a:r>
+            <a:r>
+              <a:rPr lang="pt-BR" sz="1400" dirty="0"/>
+              <a:t> </a:t>
+            </a:r>
+            <a:r>
+              <a:rPr lang="pt-BR" sz="1400" dirty="0" err="1"/>
+              <a:t>remote</a:t>
+            </a:r>
+            <a:r>
+              <a:rPr lang="pt-BR" sz="1400" dirty="0"/>
+              <a:t> </a:t>
+            </a:r>
+            <a:r>
+              <a:rPr lang="pt-BR" sz="1400" dirty="0" err="1"/>
+              <a:t>add</a:t>
+            </a:r>
+            <a:r>
+              <a:rPr lang="pt-BR" sz="1400" dirty="0"/>
+              <a:t> local {caminho}. Substitua {caminho} pelo caminho completo da pasta recém criada; </a:t>
+            </a:r>
+            <a:endParaRPr lang="pt-BR" sz="1400" dirty="0" smtClean="0"/>
+          </a:p>
+          <a:p>
+            <a:r>
+              <a:rPr lang="pt-BR" sz="1400" dirty="0" smtClean="0"/>
+              <a:t>6</a:t>
+            </a:r>
+            <a:r>
+              <a:rPr lang="pt-BR" sz="1400" dirty="0"/>
+              <a:t>) Crie uma nova pasta em seu computador, para representar o trabalho de outra pessoa; </a:t>
+            </a:r>
+            <a:endParaRPr lang="pt-BR" sz="1400" dirty="0" smtClean="0"/>
+          </a:p>
+          <a:p>
+            <a:r>
+              <a:rPr lang="pt-BR" sz="1400" dirty="0" smtClean="0"/>
+              <a:t>7</a:t>
+            </a:r>
+            <a:r>
+              <a:rPr lang="pt-BR" sz="1400" dirty="0"/>
+              <a:t>) No terminal (ou </a:t>
+            </a:r>
+            <a:r>
+              <a:rPr lang="pt-BR" sz="1400" dirty="0" err="1"/>
+              <a:t>Git</a:t>
+            </a:r>
+            <a:r>
+              <a:rPr lang="pt-BR" sz="1400" dirty="0"/>
+              <a:t> </a:t>
+            </a:r>
+            <a:r>
+              <a:rPr lang="pt-BR" sz="1400" dirty="0" err="1"/>
+              <a:t>Bash</a:t>
+            </a:r>
+            <a:r>
+              <a:rPr lang="pt-BR" sz="1400" dirty="0"/>
+              <a:t>, no Windows) navegue até a pasta recém criada; </a:t>
+            </a:r>
+            <a:endParaRPr lang="pt-BR" sz="1400" dirty="0" smtClean="0"/>
+          </a:p>
+          <a:p>
+            <a:r>
+              <a:rPr lang="pt-BR" sz="1400" dirty="0" smtClean="0"/>
+              <a:t>8</a:t>
+            </a:r>
+            <a:r>
+              <a:rPr lang="pt-BR" sz="1400" dirty="0"/>
+              <a:t>) Execute o comando </a:t>
+            </a:r>
+            <a:r>
+              <a:rPr lang="pt-BR" sz="1400" dirty="0" err="1"/>
+              <a:t>git</a:t>
+            </a:r>
+            <a:r>
+              <a:rPr lang="pt-BR" sz="1400" dirty="0"/>
+              <a:t> clone {caminho} projeto. Substitua {caminho} pelo caminho completo da pasta que criamos no primeiro passo; </a:t>
+            </a:r>
+            <a:endParaRPr lang="pt-BR" sz="1400" dirty="0" smtClean="0"/>
+          </a:p>
+          <a:p>
+            <a:r>
+              <a:rPr lang="pt-BR" sz="1400" dirty="0" smtClean="0"/>
+              <a:t>9</a:t>
+            </a:r>
+            <a:r>
+              <a:rPr lang="pt-BR" sz="1400" dirty="0"/>
+              <a:t>) Observe que o repositório clonado está vazio; </a:t>
+            </a:r>
+            <a:endParaRPr lang="pt-BR" sz="1400" dirty="0" smtClean="0"/>
+          </a:p>
+          <a:p>
+            <a:r>
+              <a:rPr lang="pt-BR" sz="1400" dirty="0" smtClean="0"/>
+              <a:t>10</a:t>
+            </a:r>
+            <a:r>
+              <a:rPr lang="pt-BR" sz="1400" dirty="0"/>
+              <a:t>) Acesse a pasta Projeto e execute o comando '</a:t>
+            </a:r>
+            <a:r>
+              <a:rPr lang="pt-BR" sz="1400" dirty="0" err="1"/>
+              <a:t>git</a:t>
+            </a:r>
+            <a:r>
+              <a:rPr lang="pt-BR" sz="1400" dirty="0"/>
+              <a:t> </a:t>
+            </a:r>
+            <a:r>
+              <a:rPr lang="pt-BR" sz="1400" dirty="0" err="1"/>
+              <a:t>remote</a:t>
+            </a:r>
+            <a:r>
+              <a:rPr lang="pt-BR" sz="1400" dirty="0"/>
+              <a:t> </a:t>
+            </a:r>
+            <a:r>
+              <a:rPr lang="pt-BR" sz="1400" dirty="0" err="1"/>
+              <a:t>rename</a:t>
+            </a:r>
+            <a:r>
+              <a:rPr lang="pt-BR" sz="1400" dirty="0"/>
+              <a:t> </a:t>
+            </a:r>
+            <a:r>
+              <a:rPr lang="pt-BR" sz="1400" dirty="0" err="1"/>
+              <a:t>origin</a:t>
+            </a:r>
+            <a:r>
+              <a:rPr lang="pt-BR" sz="1400" dirty="0"/>
+              <a:t> local' para renomear o repositório local da outra pessoa de "</a:t>
+            </a:r>
+            <a:r>
+              <a:rPr lang="pt-BR" sz="1400" dirty="0" err="1"/>
+              <a:t>origin</a:t>
+            </a:r>
+            <a:r>
+              <a:rPr lang="pt-BR" sz="1400" dirty="0"/>
+              <a:t>" para "local"; </a:t>
+            </a:r>
+            <a:endParaRPr lang="pt-BR" sz="1400" dirty="0" smtClean="0"/>
+          </a:p>
+          <a:p>
+            <a:r>
+              <a:rPr lang="pt-BR" sz="1400" dirty="0"/>
+              <a:t>1</a:t>
+            </a:r>
+            <a:r>
+              <a:rPr lang="pt-BR" sz="1400" dirty="0" smtClean="0"/>
+              <a:t>1</a:t>
+            </a:r>
+            <a:r>
+              <a:rPr lang="pt-BR" sz="1400" dirty="0"/>
+              <a:t>) Navegue até a pasta onde se encontra o seu projeto original; </a:t>
+            </a:r>
+            <a:endParaRPr lang="pt-BR" sz="1400" dirty="0" smtClean="0"/>
+          </a:p>
+        </p:txBody>
+      </p:sp>
+      <p:sp>
+        <p:nvSpPr>
+          <p:cNvPr id="10" name="Retângulo 9"/>
+          <p:cNvSpPr/>
+          <p:nvPr/>
+        </p:nvSpPr>
+        <p:spPr>
+          <a:xfrm>
+            <a:off x="5936273" y="1032451"/>
+            <a:ext cx="5502519" cy="2246769"/>
+          </a:xfrm>
+          <a:prstGeom prst="rect">
+            <a:avLst/>
+          </a:prstGeom>
+        </p:spPr>
+        <p:txBody>
+          <a:bodyPr wrap="square">
+            <a:spAutoFit/>
+          </a:bodyPr>
+          <a:lstStyle/>
+          <a:p>
+            <a:r>
+              <a:rPr lang="pt-BR" sz="1400" dirty="0"/>
+              <a:t>12) Execute o comando </a:t>
+            </a:r>
+            <a:r>
+              <a:rPr lang="pt-BR" sz="1400" dirty="0" err="1"/>
+              <a:t>git</a:t>
+            </a:r>
+            <a:r>
+              <a:rPr lang="pt-BR" sz="1400" dirty="0"/>
+              <a:t> </a:t>
+            </a:r>
+            <a:r>
+              <a:rPr lang="pt-BR" sz="1400" dirty="0" err="1"/>
+              <a:t>push</a:t>
+            </a:r>
+            <a:r>
+              <a:rPr lang="pt-BR" sz="1400" dirty="0"/>
+              <a:t> local </a:t>
+            </a:r>
+            <a:r>
+              <a:rPr lang="pt-BR" sz="1400" dirty="0" err="1"/>
+              <a:t>main</a:t>
+            </a:r>
+            <a:r>
+              <a:rPr lang="pt-BR" sz="1400" dirty="0"/>
+              <a:t> para enviar as suas modificações para o seu servidor; </a:t>
+            </a:r>
+            <a:endParaRPr lang="pt-BR" sz="1400" dirty="0" smtClean="0"/>
+          </a:p>
+          <a:p>
+            <a:r>
+              <a:rPr lang="pt-BR" sz="1400" dirty="0" smtClean="0"/>
+              <a:t>13</a:t>
+            </a:r>
+            <a:r>
+              <a:rPr lang="pt-BR" sz="1400" dirty="0"/>
+              <a:t>) Navegue até a pasta criada no passo 6; 14) Execute o comando </a:t>
+            </a:r>
+            <a:r>
+              <a:rPr lang="pt-BR" sz="1400" dirty="0" err="1"/>
+              <a:t>git</a:t>
+            </a:r>
+            <a:r>
+              <a:rPr lang="pt-BR" sz="1400" dirty="0"/>
+              <a:t> </a:t>
+            </a:r>
+            <a:r>
+              <a:rPr lang="pt-BR" sz="1400" dirty="0" err="1"/>
+              <a:t>pull</a:t>
+            </a:r>
+            <a:r>
+              <a:rPr lang="pt-BR" sz="1400" dirty="0"/>
+              <a:t> local </a:t>
+            </a:r>
+            <a:r>
+              <a:rPr lang="pt-BR" sz="1400" dirty="0" err="1"/>
+              <a:t>main</a:t>
+            </a:r>
+            <a:r>
+              <a:rPr lang="pt-BR" sz="1400" dirty="0"/>
+              <a:t> para baixar as modificações; 15) Abra o seu navegador e acesse http://github.com/; 16) Crie uma conta; 17) Crie um novo repositório, clicando no símbolo de adição no canto superior direito; 18) No terminal (ou </a:t>
+            </a:r>
+            <a:r>
+              <a:rPr lang="pt-BR" sz="1400" dirty="0" err="1"/>
+              <a:t>Git</a:t>
+            </a:r>
+            <a:r>
+              <a:rPr lang="pt-BR" sz="1400" dirty="0"/>
+              <a:t> </a:t>
+            </a:r>
+            <a:r>
+              <a:rPr lang="pt-BR" sz="1400" dirty="0" err="1"/>
+              <a:t>Bash</a:t>
+            </a:r>
+            <a:r>
+              <a:rPr lang="pt-BR" sz="1400" dirty="0"/>
+              <a:t>, no Windows) adicione, ao seu projeto inicial, o repositório remoto recém criado (os comandos são mostrados pelo próprio GitHub); 19) Execute </a:t>
+            </a:r>
+            <a:r>
+              <a:rPr lang="pt-BR" sz="1400" dirty="0" err="1"/>
+              <a:t>git</a:t>
+            </a:r>
+            <a:r>
+              <a:rPr lang="pt-BR" sz="1400" dirty="0"/>
+              <a:t> </a:t>
+            </a:r>
+            <a:r>
+              <a:rPr lang="pt-BR" sz="1400" dirty="0" err="1"/>
+              <a:t>push</a:t>
+            </a:r>
+            <a:r>
+              <a:rPr lang="pt-BR" sz="1400" dirty="0"/>
+              <a:t> </a:t>
+            </a:r>
+            <a:r>
+              <a:rPr lang="pt-BR" sz="1400" dirty="0" err="1"/>
+              <a:t>origin</a:t>
+            </a:r>
+            <a:r>
+              <a:rPr lang="pt-BR" sz="1400" dirty="0"/>
+              <a:t> </a:t>
+            </a:r>
+            <a:r>
+              <a:rPr lang="pt-BR" sz="1400" dirty="0" err="1"/>
+              <a:t>main</a:t>
+            </a:r>
+            <a:r>
+              <a:rPr lang="pt-BR" sz="1400" dirty="0"/>
+              <a:t> para enviar as suas alterações para o repositório no GitHub.</a:t>
+            </a:r>
+            <a:endParaRPr lang="pt-BR" sz="1400" dirty="0"/>
+          </a:p>
+        </p:txBody>
+      </p:sp>
+    </p:spTree>
+    <p:extLst>
+      <p:ext uri="{BB962C8B-B14F-4D97-AF65-F5344CB8AC3E}">
+        <p14:creationId xmlns:p14="http://schemas.microsoft.com/office/powerpoint/2010/main" val="3566434302"/>
       </p:ext>
     </p:extLst>
   </p:cSld>

--- a/Atalhos img.pptx
+++ b/Atalhos img.pptx
@@ -8,6 +8,7 @@
     <p:sldId id="256" r:id="rId2"/>
     <p:sldId id="257" r:id="rId3"/>
     <p:sldId id="258" r:id="rId4"/>
+    <p:sldId id="259" r:id="rId5"/>
   </p:sldIdLst>
   <p:sldSz cx="12192000" cy="6858000"/>
   <p:notesSz cx="6858000" cy="9144000"/>
@@ -245,7 +246,7 @@
           <a:p>
             <a:fld id="{D7EF89F4-677A-454A-B8BB-E8AE75CC721B}" type="datetimeFigureOut">
               <a:rPr lang="pt-BR" smtClean="0"/>
-              <a:t>10/05/2022</a:t>
+              <a:t>22/05/2022</a:t>
             </a:fld>
             <a:endParaRPr lang="pt-BR"/>
           </a:p>
@@ -415,7 +416,7 @@
           <a:p>
             <a:fld id="{D7EF89F4-677A-454A-B8BB-E8AE75CC721B}" type="datetimeFigureOut">
               <a:rPr lang="pt-BR" smtClean="0"/>
-              <a:t>10/05/2022</a:t>
+              <a:t>22/05/2022</a:t>
             </a:fld>
             <a:endParaRPr lang="pt-BR"/>
           </a:p>
@@ -595,7 +596,7 @@
           <a:p>
             <a:fld id="{D7EF89F4-677A-454A-B8BB-E8AE75CC721B}" type="datetimeFigureOut">
               <a:rPr lang="pt-BR" smtClean="0"/>
-              <a:t>10/05/2022</a:t>
+              <a:t>22/05/2022</a:t>
             </a:fld>
             <a:endParaRPr lang="pt-BR"/>
           </a:p>
@@ -765,7 +766,7 @@
           <a:p>
             <a:fld id="{D7EF89F4-677A-454A-B8BB-E8AE75CC721B}" type="datetimeFigureOut">
               <a:rPr lang="pt-BR" smtClean="0"/>
-              <a:t>10/05/2022</a:t>
+              <a:t>22/05/2022</a:t>
             </a:fld>
             <a:endParaRPr lang="pt-BR"/>
           </a:p>
@@ -1011,7 +1012,7 @@
           <a:p>
             <a:fld id="{D7EF89F4-677A-454A-B8BB-E8AE75CC721B}" type="datetimeFigureOut">
               <a:rPr lang="pt-BR" smtClean="0"/>
-              <a:t>10/05/2022</a:t>
+              <a:t>22/05/2022</a:t>
             </a:fld>
             <a:endParaRPr lang="pt-BR"/>
           </a:p>
@@ -1243,7 +1244,7 @@
           <a:p>
             <a:fld id="{D7EF89F4-677A-454A-B8BB-E8AE75CC721B}" type="datetimeFigureOut">
               <a:rPr lang="pt-BR" smtClean="0"/>
-              <a:t>10/05/2022</a:t>
+              <a:t>22/05/2022</a:t>
             </a:fld>
             <a:endParaRPr lang="pt-BR"/>
           </a:p>
@@ -1610,7 +1611,7 @@
           <a:p>
             <a:fld id="{D7EF89F4-677A-454A-B8BB-E8AE75CC721B}" type="datetimeFigureOut">
               <a:rPr lang="pt-BR" smtClean="0"/>
-              <a:t>10/05/2022</a:t>
+              <a:t>22/05/2022</a:t>
             </a:fld>
             <a:endParaRPr lang="pt-BR"/>
           </a:p>
@@ -1728,7 +1729,7 @@
           <a:p>
             <a:fld id="{D7EF89F4-677A-454A-B8BB-E8AE75CC721B}" type="datetimeFigureOut">
               <a:rPr lang="pt-BR" smtClean="0"/>
-              <a:t>10/05/2022</a:t>
+              <a:t>22/05/2022</a:t>
             </a:fld>
             <a:endParaRPr lang="pt-BR"/>
           </a:p>
@@ -1823,7 +1824,7 @@
           <a:p>
             <a:fld id="{D7EF89F4-677A-454A-B8BB-E8AE75CC721B}" type="datetimeFigureOut">
               <a:rPr lang="pt-BR" smtClean="0"/>
-              <a:t>10/05/2022</a:t>
+              <a:t>22/05/2022</a:t>
             </a:fld>
             <a:endParaRPr lang="pt-BR"/>
           </a:p>
@@ -2100,7 +2101,7 @@
           <a:p>
             <a:fld id="{D7EF89F4-677A-454A-B8BB-E8AE75CC721B}" type="datetimeFigureOut">
               <a:rPr lang="pt-BR" smtClean="0"/>
-              <a:t>10/05/2022</a:t>
+              <a:t>22/05/2022</a:t>
             </a:fld>
             <a:endParaRPr lang="pt-BR"/>
           </a:p>
@@ -2353,7 +2354,7 @@
           <a:p>
             <a:fld id="{D7EF89F4-677A-454A-B8BB-E8AE75CC721B}" type="datetimeFigureOut">
               <a:rPr lang="pt-BR" smtClean="0"/>
-              <a:t>10/05/2022</a:t>
+              <a:t>22/05/2022</a:t>
             </a:fld>
             <a:endParaRPr lang="pt-BR"/>
           </a:p>
@@ -2566,7 +2567,7 @@
           <a:p>
             <a:fld id="{D7EF89F4-677A-454A-B8BB-E8AE75CC721B}" type="datetimeFigureOut">
               <a:rPr lang="pt-BR" smtClean="0"/>
-              <a:t>10/05/2022</a:t>
+              <a:t>22/05/2022</a:t>
             </a:fld>
             <a:endParaRPr lang="pt-BR"/>
           </a:p>
@@ -4943,6 +4944,255 @@
 </p:sld>
 </file>
 
+<file path=ppt/slides/slide4.xml><?xml version="1.0" encoding="utf-8"?>
+<p:sld xmlns:a="http://schemas.openxmlformats.org/drawingml/2006/main" xmlns:r="http://schemas.openxmlformats.org/officeDocument/2006/relationships" xmlns:p="http://schemas.openxmlformats.org/presentationml/2006/main">
+  <p:cSld>
+    <p:spTree>
+      <p:nvGrpSpPr>
+        <p:cNvPr id="1" name=""/>
+        <p:cNvGrpSpPr/>
+        <p:nvPr/>
+      </p:nvGrpSpPr>
+      <p:grpSpPr>
+        <a:xfrm>
+          <a:off x="0" y="0"/>
+          <a:ext cx="0" cy="0"/>
+          <a:chOff x="0" y="0"/>
+          <a:chExt cx="0" cy="0"/>
+        </a:xfrm>
+      </p:grpSpPr>
+      <p:sp>
+        <p:nvSpPr>
+          <p:cNvPr id="2" name="Retângulo 1"/>
+          <p:cNvSpPr/>
+          <p:nvPr/>
+        </p:nvSpPr>
+        <p:spPr>
+          <a:xfrm>
+            <a:off x="336859" y="796333"/>
+            <a:ext cx="7664141" cy="1169551"/>
+          </a:xfrm>
+          <a:prstGeom prst="rect">
+            <a:avLst/>
+          </a:prstGeom>
+        </p:spPr>
+        <p:txBody>
+          <a:bodyPr wrap="square">
+            <a:spAutoFit/>
+          </a:bodyPr>
+          <a:lstStyle/>
+          <a:p>
+            <a:pPr marL="285750" indent="-285750">
+              <a:buFont typeface="Arial" panose="020B0604020202020204" pitchFamily="34" charset="0"/>
+              <a:buChar char="•"/>
+            </a:pPr>
+            <a:r>
+              <a:rPr lang="pt-BR" sz="1400" b="1" u="sng" dirty="0" smtClean="0">
+                <a:effectLst>
+                  <a:outerShdw blurRad="38100" dist="38100" dir="2700000" algn="tl">
+                    <a:srgbClr val="000000">
+                      <a:alpha val="43137"/>
+                    </a:srgbClr>
+                  </a:outerShdw>
+                </a:effectLst>
+              </a:rPr>
+              <a:t>Criando </a:t>
+            </a:r>
+            <a:r>
+              <a:rPr lang="pt-BR" sz="1400" b="1" u="sng" dirty="0" smtClean="0">
+                <a:effectLst>
+                  <a:outerShdw blurRad="38100" dist="38100" dir="2700000" algn="tl">
+                    <a:srgbClr val="000000">
+                      <a:alpha val="43137"/>
+                    </a:srgbClr>
+                  </a:outerShdw>
+                </a:effectLst>
+              </a:rPr>
+              <a:t>uma </a:t>
+            </a:r>
+            <a:r>
+              <a:rPr lang="pt-BR" sz="1400" b="1" u="sng" dirty="0" err="1" smtClean="0">
+                <a:effectLst>
+                  <a:outerShdw blurRad="38100" dist="38100" dir="2700000" algn="tl">
+                    <a:srgbClr val="000000">
+                      <a:alpha val="43137"/>
+                    </a:srgbClr>
+                  </a:outerShdw>
+                </a:effectLst>
+              </a:rPr>
+              <a:t>branch</a:t>
+            </a:r>
+            <a:endParaRPr lang="pt-BR" sz="1400" b="1" u="sng" dirty="0" smtClean="0">
+              <a:effectLst>
+                <a:outerShdw blurRad="38100" dist="38100" dir="2700000" algn="tl">
+                  <a:srgbClr val="000000">
+                    <a:alpha val="43137"/>
+                  </a:srgbClr>
+                </a:outerShdw>
+              </a:effectLst>
+            </a:endParaRPr>
+          </a:p>
+          <a:p>
+            <a:r>
+              <a:rPr lang="pt-BR" sz="1400" dirty="0" smtClean="0"/>
+              <a:t>Iniciar lista = </a:t>
+            </a:r>
+            <a:r>
+              <a:rPr lang="pt-BR" sz="1400" dirty="0" err="1" smtClean="0"/>
+              <a:t>git</a:t>
+            </a:r>
+            <a:r>
+              <a:rPr lang="pt-BR" sz="1400" dirty="0" smtClean="0"/>
+              <a:t> </a:t>
+            </a:r>
+            <a:r>
+              <a:rPr lang="pt-BR" sz="1400" dirty="0" err="1" smtClean="0"/>
+              <a:t>branch</a:t>
+            </a:r>
+            <a:r>
+              <a:rPr lang="pt-BR" sz="1400" dirty="0" smtClean="0"/>
+              <a:t> lista</a:t>
+            </a:r>
+          </a:p>
+          <a:p>
+            <a:r>
+              <a:rPr lang="pt-BR" sz="1400" dirty="0" smtClean="0"/>
+              <a:t>Mover para ela = </a:t>
+            </a:r>
+            <a:r>
+              <a:rPr lang="pt-BR" sz="1400" dirty="0" err="1" smtClean="0"/>
+              <a:t>git</a:t>
+            </a:r>
+            <a:r>
+              <a:rPr lang="pt-BR" sz="1400" dirty="0" smtClean="0"/>
+              <a:t> </a:t>
+            </a:r>
+            <a:r>
+              <a:rPr lang="pt-BR" sz="1400" dirty="0" err="1" smtClean="0"/>
+              <a:t>checkout</a:t>
+            </a:r>
+            <a:r>
+              <a:rPr lang="pt-BR" sz="1400" dirty="0" smtClean="0"/>
+              <a:t> lista</a:t>
+            </a:r>
+          </a:p>
+          <a:p>
+            <a:r>
+              <a:rPr lang="pt-BR" sz="1400" dirty="0" smtClean="0"/>
+              <a:t>Criar e mover diretamente = </a:t>
+            </a:r>
+            <a:r>
+              <a:rPr lang="pt-BR" sz="1400" dirty="0" err="1" smtClean="0"/>
+              <a:t>git</a:t>
+            </a:r>
+            <a:r>
+              <a:rPr lang="pt-BR" sz="1400" dirty="0" smtClean="0"/>
+              <a:t> </a:t>
+            </a:r>
+            <a:r>
+              <a:rPr lang="pt-BR" sz="1400" dirty="0" err="1" smtClean="0"/>
+              <a:t>checkout</a:t>
+            </a:r>
+            <a:r>
+              <a:rPr lang="pt-BR" sz="1400" dirty="0" smtClean="0"/>
+              <a:t> –b lista </a:t>
+            </a:r>
+          </a:p>
+          <a:p>
+            <a:endParaRPr lang="pt-BR" sz="1400" dirty="0" smtClean="0"/>
+          </a:p>
+        </p:txBody>
+      </p:sp>
+      <p:sp>
+        <p:nvSpPr>
+          <p:cNvPr id="8" name="CaixaDeTexto 7"/>
+          <p:cNvSpPr txBox="1"/>
+          <p:nvPr/>
+        </p:nvSpPr>
+        <p:spPr>
+          <a:xfrm>
+            <a:off x="3257060" y="150002"/>
+            <a:ext cx="8934940" cy="646331"/>
+          </a:xfrm>
+          <a:prstGeom prst="rect">
+            <a:avLst/>
+          </a:prstGeom>
+          <a:noFill/>
+        </p:spPr>
+        <p:txBody>
+          <a:bodyPr wrap="square" rtlCol="0">
+            <a:spAutoFit/>
+          </a:bodyPr>
+          <a:lstStyle/>
+          <a:p>
+            <a:r>
+              <a:rPr lang="pt-BR" sz="3600" dirty="0" smtClean="0">
+                <a:solidFill>
+                  <a:srgbClr val="7030A0"/>
+                </a:solidFill>
+              </a:rPr>
+              <a:t>Criando e gerenciando </a:t>
+            </a:r>
+            <a:r>
+              <a:rPr lang="pt-BR" sz="3600" dirty="0" err="1" smtClean="0">
+                <a:solidFill>
+                  <a:srgbClr val="7030A0"/>
+                </a:solidFill>
+              </a:rPr>
+              <a:t>branches</a:t>
+            </a:r>
+            <a:endParaRPr lang="pt-BR" sz="3600" dirty="0">
+              <a:solidFill>
+                <a:srgbClr val="7030A0"/>
+              </a:solidFill>
+            </a:endParaRPr>
+          </a:p>
+        </p:txBody>
+      </p:sp>
+      <p:pic>
+        <p:nvPicPr>
+          <p:cNvPr id="3" name="Imagem 2"/>
+          <p:cNvPicPr>
+            <a:picLocks noChangeAspect="1"/>
+          </p:cNvPicPr>
+          <p:nvPr/>
+        </p:nvPicPr>
+        <p:blipFill>
+          <a:blip r:embed="rId2"/>
+          <a:stretch>
+            <a:fillRect/>
+          </a:stretch>
+        </p:blipFill>
+        <p:spPr>
+          <a:xfrm>
+            <a:off x="7503459" y="919159"/>
+            <a:ext cx="4243120" cy="1222820"/>
+          </a:xfrm>
+          <a:prstGeom prst="rect">
+            <a:avLst/>
+          </a:prstGeom>
+        </p:spPr>
+      </p:pic>
+    </p:spTree>
+    <p:extLst>
+      <p:ext uri="{BB962C8B-B14F-4D97-AF65-F5344CB8AC3E}">
+        <p14:creationId xmlns:p14="http://schemas.microsoft.com/office/powerpoint/2010/main" val="2450997877"/>
+      </p:ext>
+    </p:extLst>
+  </p:cSld>
+  <p:clrMapOvr>
+    <a:masterClrMapping/>
+  </p:clrMapOvr>
+  <p:timing>
+    <p:tnLst>
+      <p:par>
+        <p:cTn id="1" dur="indefinite" restart="never" nodeType="tmRoot"/>
+      </p:par>
+    </p:tnLst>
+  </p:timing>
+</p:sld>
+</file>
+
 <file path=ppt/theme/theme1.xml><?xml version="1.0" encoding="utf-8"?>
 <a:theme xmlns:a="http://schemas.openxmlformats.org/drawingml/2006/main" name="Tema do Office">
   <a:themeElements>
